--- a/content/lectures/lecture1/presentation/lecture1.pptx
+++ b/content/lectures/lecture1/presentation/lecture1.pptx
@@ -7,7 +7,7 @@
     <p:sldMasterId id="2147483735" r:id="rId3"/>
   </p:sldMasterIdLst>
   <p:notesMasterIdLst>
-    <p:notesMasterId r:id="rId27"/>
+    <p:notesMasterId r:id="rId28"/>
   </p:notesMasterIdLst>
   <p:sldIdLst>
     <p:sldId id="256" r:id="rId4"/>
@@ -32,7 +32,8 @@
     <p:sldId id="272" r:id="rId23"/>
     <p:sldId id="263" r:id="rId24"/>
     <p:sldId id="278" r:id="rId25"/>
-    <p:sldId id="257" r:id="rId26"/>
+    <p:sldId id="295" r:id="rId26"/>
+    <p:sldId id="257" r:id="rId27"/>
   </p:sldIdLst>
   <p:sldSz cx="12192000" cy="6858000"/>
   <p:notesSz cx="6858000" cy="9144000"/>
@@ -20683,6 +20684,271 @@
 </file>
 
 <file path=ppt/slides/slide23.xml><?xml version="1.0" encoding="utf-8"?>
+<p:sld xmlns:a="http://schemas.openxmlformats.org/drawingml/2006/main" xmlns:r="http://schemas.openxmlformats.org/officeDocument/2006/relationships" xmlns:p="http://schemas.openxmlformats.org/presentationml/2006/main">
+  <p:cSld>
+    <p:spTree>
+      <p:nvGrpSpPr>
+        <p:cNvPr id="1" name=""/>
+        <p:cNvGrpSpPr/>
+        <p:nvPr/>
+      </p:nvGrpSpPr>
+      <p:grpSpPr>
+        <a:xfrm>
+          <a:off x="0" y="0"/>
+          <a:ext cx="0" cy="0"/>
+          <a:chOff x="0" y="0"/>
+          <a:chExt cx="0" cy="0"/>
+        </a:xfrm>
+      </p:grpSpPr>
+      <p:sp>
+        <p:nvSpPr>
+          <p:cNvPr id="3" name="Text Placeholder 2">
+            <a:extLst>
+              <a:ext uri="{FF2B5EF4-FFF2-40B4-BE49-F238E27FC236}">
+                <a16:creationId xmlns:a16="http://schemas.microsoft.com/office/drawing/2014/main" xmlns="" id="{C7652C82-BE66-4418-8AD5-980274E47728}"/>
+              </a:ext>
+            </a:extLst>
+          </p:cNvPr>
+          <p:cNvSpPr>
+            <a:spLocks noGrp="1"/>
+          </p:cNvSpPr>
+          <p:nvPr>
+            <p:ph type="body" sz="quarter" idx="13"/>
+          </p:nvPr>
+        </p:nvSpPr>
+        <p:spPr>
+          <a:xfrm>
+            <a:off x="848139" y="401607"/>
+            <a:ext cx="10357954" cy="2407854"/>
+          </a:xfrm>
+        </p:spPr>
+        <p:txBody>
+          <a:bodyPr/>
+          <a:lstStyle/>
+          <a:p>
+            <a:r>
+              <a:rPr lang="en-US" sz="4000" b="1" dirty="0" smtClean="0"/>
+              <a:t>Final Details</a:t>
+            </a:r>
+            <a:endParaRPr lang="en-US" b="1" dirty="0"/>
+          </a:p>
+        </p:txBody>
+      </p:sp>
+      <p:sp>
+        <p:nvSpPr>
+          <p:cNvPr id="5" name="TextBox 4"/>
+          <p:cNvSpPr txBox="1"/>
+          <p:nvPr/>
+        </p:nvSpPr>
+        <p:spPr>
+          <a:xfrm>
+            <a:off x="1297859" y="1253613"/>
+            <a:ext cx="10132142" cy="2677656"/>
+          </a:xfrm>
+          <a:prstGeom prst="rect">
+            <a:avLst/>
+          </a:prstGeom>
+          <a:noFill/>
+        </p:spPr>
+        <p:txBody>
+          <a:bodyPr wrap="square" rtlCol="0">
+            <a:spAutoFit/>
+          </a:bodyPr>
+          <a:lstStyle/>
+          <a:p>
+            <a:pPr marL="342900" indent="-342900">
+              <a:buFont typeface="Arial" charset="0"/>
+              <a:buChar char="•"/>
+            </a:pPr>
+            <a:r>
+              <a:rPr lang="en-US" sz="2400" dirty="0" smtClean="0">
+                <a:latin typeface="Karla" charset="0"/>
+                <a:ea typeface="Karla" charset="0"/>
+                <a:cs typeface="Karla" charset="0"/>
+              </a:rPr>
+              <a:t>We will be using ED for discussions, announcements and quizzes.  </a:t>
+            </a:r>
+          </a:p>
+          <a:p>
+            <a:pPr marL="342900" indent="-342900">
+              <a:buFont typeface="Arial" charset="0"/>
+              <a:buChar char="•"/>
+            </a:pPr>
+            <a:endParaRPr lang="en-US" sz="2400" dirty="0" smtClean="0">
+              <a:latin typeface="Karla" charset="0"/>
+              <a:ea typeface="Karla" charset="0"/>
+              <a:cs typeface="Karla" charset="0"/>
+            </a:endParaRPr>
+          </a:p>
+          <a:p>
+            <a:pPr marL="342900" indent="-342900">
+              <a:buFont typeface="Arial" charset="0"/>
+              <a:buChar char="•"/>
+            </a:pPr>
+            <a:r>
+              <a:rPr lang="en-US" sz="2400" dirty="0" smtClean="0">
+                <a:latin typeface="Karla" charset="0"/>
+                <a:ea typeface="Karla" charset="0"/>
+                <a:cs typeface="Karla" charset="0"/>
+              </a:rPr>
+              <a:t>S</a:t>
+            </a:r>
+            <a:r>
+              <a:rPr lang="en-US" sz="2400" dirty="0" smtClean="0">
+                <a:latin typeface="Karla" charset="0"/>
+                <a:ea typeface="Karla" charset="0"/>
+                <a:cs typeface="Karla" charset="0"/>
+              </a:rPr>
+              <a:t>ubmissions for exercises, reports, presentations </a:t>
+            </a:r>
+            <a:r>
+              <a:rPr lang="en-US" sz="2400" dirty="0" err="1" smtClean="0">
+                <a:latin typeface="Karla" charset="0"/>
+                <a:ea typeface="Karla" charset="0"/>
+                <a:cs typeface="Karla" charset="0"/>
+              </a:rPr>
+              <a:t>etc</a:t>
+            </a:r>
+            <a:r>
+              <a:rPr lang="en-US" sz="2400" dirty="0" smtClean="0">
+                <a:latin typeface="Karla" charset="0"/>
+                <a:ea typeface="Karla" charset="0"/>
+                <a:cs typeface="Karla" charset="0"/>
+              </a:rPr>
+              <a:t> we will be using </a:t>
+            </a:r>
+            <a:r>
+              <a:rPr lang="en-US" sz="2400" dirty="0" err="1" smtClean="0">
+                <a:latin typeface="Karla" charset="0"/>
+                <a:ea typeface="Karla" charset="0"/>
+                <a:cs typeface="Karla" charset="0"/>
+              </a:rPr>
+              <a:t>github</a:t>
+            </a:r>
+            <a:r>
+              <a:rPr lang="en-US" sz="2400" dirty="0" smtClean="0">
+                <a:latin typeface="Karla" charset="0"/>
+                <a:ea typeface="Karla" charset="0"/>
+                <a:cs typeface="Karla" charset="0"/>
+              </a:rPr>
+              <a:t>  (details soon). </a:t>
+            </a:r>
+          </a:p>
+          <a:p>
+            <a:endParaRPr lang="en-US" sz="2400" dirty="0" smtClean="0">
+              <a:latin typeface="Karla" charset="0"/>
+              <a:ea typeface="Karla" charset="0"/>
+              <a:cs typeface="Karla" charset="0"/>
+            </a:endParaRPr>
+          </a:p>
+          <a:p>
+            <a:pPr marL="342900" indent="-342900">
+              <a:buFont typeface="Arial" charset="0"/>
+              <a:buChar char="•"/>
+            </a:pPr>
+            <a:endParaRPr lang="en-US" sz="2400" dirty="0" smtClean="0">
+              <a:latin typeface="Karla" charset="0"/>
+              <a:ea typeface="Karla" charset="0"/>
+              <a:cs typeface="Karla" charset="0"/>
+            </a:endParaRPr>
+          </a:p>
+          <a:p>
+            <a:endParaRPr lang="en-US" sz="2400" dirty="0"/>
+          </a:p>
+        </p:txBody>
+      </p:sp>
+    </p:spTree>
+    <p:extLst>
+      <p:ext uri="{BB962C8B-B14F-4D97-AF65-F5344CB8AC3E}">
+        <p14:creationId xmlns:p14="http://schemas.microsoft.com/office/powerpoint/2010/main" val="2062305827"/>
+      </p:ext>
+    </p:extLst>
+  </p:cSld>
+  <p:clrMapOvr>
+    <a:masterClrMapping/>
+  </p:clrMapOvr>
+  <p:timing>
+    <p:tnLst>
+      <p:par>
+        <p:cTn id="1" dur="indefinite" restart="never" nodeType="tmRoot">
+          <p:childTnLst>
+            <p:seq concurrent="1" nextAc="seek">
+              <p:cTn id="2" dur="indefinite" nodeType="mainSeq">
+                <p:childTnLst>
+                  <p:par>
+                    <p:cTn id="3" fill="hold">
+                      <p:stCondLst>
+                        <p:cond delay="indefinite"/>
+                      </p:stCondLst>
+                      <p:childTnLst>
+                        <p:par>
+                          <p:cTn id="4" fill="hold">
+                            <p:stCondLst>
+                              <p:cond delay="0"/>
+                            </p:stCondLst>
+                            <p:childTnLst>
+                              <p:par>
+                                <p:cTn id="5" presetID="1" presetClass="entr" presetSubtype="0" fill="hold" grpId="0" nodeType="clickEffect">
+                                  <p:stCondLst>
+                                    <p:cond delay="0"/>
+                                  </p:stCondLst>
+                                  <p:childTnLst>
+                                    <p:set>
+                                      <p:cBhvr>
+                                        <p:cTn id="6" dur="1" fill="hold">
+                                          <p:stCondLst>
+                                            <p:cond delay="0"/>
+                                          </p:stCondLst>
+                                        </p:cTn>
+                                        <p:tgtEl>
+                                          <p:spTgt spid="5"/>
+                                        </p:tgtEl>
+                                        <p:attrNameLst>
+                                          <p:attrName>style.visibility</p:attrName>
+                                        </p:attrNameLst>
+                                      </p:cBhvr>
+                                      <p:to>
+                                        <p:strVal val="visible"/>
+                                      </p:to>
+                                    </p:set>
+                                  </p:childTnLst>
+                                </p:cTn>
+                              </p:par>
+                            </p:childTnLst>
+                          </p:cTn>
+                        </p:par>
+                      </p:childTnLst>
+                    </p:cTn>
+                  </p:par>
+                </p:childTnLst>
+              </p:cTn>
+              <p:prevCondLst>
+                <p:cond evt="onPrev" delay="0">
+                  <p:tgtEl>
+                    <p:sldTgt/>
+                  </p:tgtEl>
+                </p:cond>
+              </p:prevCondLst>
+              <p:nextCondLst>
+                <p:cond evt="onNext" delay="0">
+                  <p:tgtEl>
+                    <p:sldTgt/>
+                  </p:tgtEl>
+                </p:cond>
+              </p:nextCondLst>
+            </p:seq>
+          </p:childTnLst>
+        </p:cTn>
+      </p:par>
+    </p:tnLst>
+    <p:bldLst>
+      <p:bldP spid="5" grpId="0"/>
+    </p:bldLst>
+  </p:timing>
+</p:sld>
+</file>
+
+<file path=ppt/slides/slide24.xml><?xml version="1.0" encoding="utf-8"?>
 <p:sld xmlns:a="http://schemas.openxmlformats.org/drawingml/2006/main" xmlns:r="http://schemas.openxmlformats.org/officeDocument/2006/relationships" xmlns:p="http://schemas.openxmlformats.org/presentationml/2006/main">
   <p:cSld>
     <p:spTree>
@@ -27066,7 +27332,7 @@
             </a:r>
             <a:r>
               <a:rPr lang="en-US" dirty="0" smtClean="0"/>
-              <a:t> (</a:t>
+              <a:t>(</a:t>
             </a:r>
             <a:r>
               <a:rPr lang="en-US" dirty="0" err="1" smtClean="0"/>
@@ -33397,7 +33663,7 @@
         <p:spPr>
           <a:xfrm>
             <a:off x="701749" y="1942226"/>
-            <a:ext cx="3223780" cy="4185761"/>
+            <a:ext cx="3223780" cy="3631763"/>
           </a:xfrm>
           <a:prstGeom prst="rect">
             <a:avLst/>
@@ -33414,14 +33680,20 @@
               <a:rPr lang="en-US" dirty="0" smtClean="0">
                 <a:latin typeface="Karla" pitchFamily="2" charset="0"/>
               </a:rPr>
-              <a:t>Multiple tasks or models </a:t>
-            </a:r>
-            <a:r>
-              <a:rPr lang="en-US" dirty="0">
+              <a:t>Model too expensive to train</a:t>
+            </a:r>
+          </a:p>
+          <a:p>
+            <a:pPr algn="ctr"/>
+            <a:r>
+              <a:rPr lang="en-US" dirty="0" smtClean="0">
                 <a:latin typeface="Karla" pitchFamily="2" charset="0"/>
               </a:rPr>
-              <a:t>(i.e. Ensemble)</a:t>
-            </a:r>
+              <a:t>Or not enough training data</a:t>
+            </a:r>
+            <a:endParaRPr lang="en-US" dirty="0">
+              <a:latin typeface="Karla" pitchFamily="2" charset="0"/>
+            </a:endParaRPr>
           </a:p>
           <a:p>
             <a:pPr algn="ctr"/>
@@ -33443,27 +33715,9 @@
           </a:p>
           <a:p>
             <a:pPr algn="ctr"/>
-            <a:endParaRPr lang="en-US" dirty="0">
+            <a:endParaRPr lang="en-US" dirty="0" smtClean="0">
               <a:latin typeface="Karla" pitchFamily="2" charset="0"/>
             </a:endParaRPr>
-          </a:p>
-          <a:p>
-            <a:pPr algn="ctr"/>
-            <a:r>
-              <a:rPr lang="en-US" dirty="0">
-                <a:latin typeface="Karla" pitchFamily="2" charset="0"/>
-              </a:rPr>
-              <a:t>Recombine</a:t>
-            </a:r>
-          </a:p>
-          <a:p>
-            <a:pPr algn="ctr"/>
-            <a:r>
-              <a:rPr lang="en-US" dirty="0">
-                <a:latin typeface="Karla" pitchFamily="2" charset="0"/>
-              </a:rPr>
-              <a:t>results</a:t>
-            </a:r>
           </a:p>
           <a:p>
             <a:pPr algn="ctr"/>
@@ -33473,6 +33727,12 @@
           </a:p>
           <a:p>
             <a:pPr algn="ctr"/>
+            <a:r>
+              <a:rPr lang="en-US" dirty="0" smtClean="0">
+                <a:latin typeface="Karla" pitchFamily="2" charset="0"/>
+              </a:rPr>
+              <a:t>Use pre-trained model</a:t>
+            </a:r>
             <a:endParaRPr lang="en-US" dirty="0">
               <a:latin typeface="Karla" pitchFamily="2" charset="0"/>
             </a:endParaRPr>
@@ -33491,12 +33751,9 @@
           </a:p>
           <a:p>
             <a:pPr algn="ctr"/>
-            <a:r>
-              <a:rPr lang="en-US" dirty="0">
-                <a:latin typeface="Karla" pitchFamily="2" charset="0"/>
-              </a:rPr>
-              <a:t>Present results</a:t>
-            </a:r>
+            <a:endParaRPr lang="en-US" dirty="0">
+              <a:latin typeface="Karla" pitchFamily="2" charset="0"/>
+            </a:endParaRPr>
           </a:p>
           <a:p>
             <a:pPr algn="ctr"/>
@@ -33509,67 +33766,6 @@
             <a:endParaRPr lang="en-US" sz="1400" dirty="0">
               <a:latin typeface="Karla" pitchFamily="2" charset="0"/>
             </a:endParaRPr>
-          </a:p>
-        </p:txBody>
-      </p:sp>
-      <p:sp>
-        <p:nvSpPr>
-          <p:cNvPr id="21" name="Rectangle 20">
-            <a:extLst>
-              <a:ext uri="{FF2B5EF4-FFF2-40B4-BE49-F238E27FC236}">
-                <a16:creationId xmlns:a16="http://schemas.microsoft.com/office/drawing/2014/main" xmlns="" id="{E0D84B8B-B072-4A04-9675-C4A47532E85E}"/>
-              </a:ext>
-            </a:extLst>
-          </p:cNvPr>
-          <p:cNvSpPr/>
-          <p:nvPr/>
-        </p:nvSpPr>
-        <p:spPr>
-          <a:xfrm>
-            <a:off x="8529489" y="1696782"/>
-            <a:ext cx="1467886" cy="740991"/>
-          </a:xfrm>
-          <a:prstGeom prst="rect">
-            <a:avLst/>
-          </a:prstGeom>
-          <a:solidFill>
-            <a:schemeClr val="bg1">
-              <a:lumMod val="50000"/>
-            </a:schemeClr>
-          </a:solidFill>
-          <a:ln w="28575">
-            <a:solidFill>
-              <a:schemeClr val="bg1"/>
-            </a:solidFill>
-          </a:ln>
-        </p:spPr>
-        <p:style>
-          <a:lnRef idx="2">
-            <a:schemeClr val="accent1">
-              <a:shade val="50000"/>
-            </a:schemeClr>
-          </a:lnRef>
-          <a:fillRef idx="1">
-            <a:schemeClr val="accent1"/>
-          </a:fillRef>
-          <a:effectRef idx="0">
-            <a:schemeClr val="accent1"/>
-          </a:effectRef>
-          <a:fontRef idx="minor">
-            <a:schemeClr val="lt1"/>
-          </a:fontRef>
-        </p:style>
-        <p:txBody>
-          <a:bodyPr rtlCol="0" anchor="ctr"/>
-          <a:lstStyle/>
-          <a:p>
-            <a:pPr algn="ctr"/>
-            <a:r>
-              <a:rPr lang="en-US" b="1" dirty="0">
-                <a:latin typeface="Karla" pitchFamily="2" charset="0"/>
-              </a:rPr>
-              <a:t>Developer 1</a:t>
-            </a:r>
           </a:p>
         </p:txBody>
       </p:sp>
@@ -33953,356 +34149,6 @@
           </p:sp>
         </p:grpSp>
       </p:grpSp>
-      <p:grpSp>
-        <p:nvGrpSpPr>
-          <p:cNvPr id="46" name="Group 45">
-            <a:extLst>
-              <a:ext uri="{FF2B5EF4-FFF2-40B4-BE49-F238E27FC236}">
-                <a16:creationId xmlns:a16="http://schemas.microsoft.com/office/drawing/2014/main" xmlns="" id="{35A0209D-0C8A-4A19-9803-C79F8AE5C8AF}"/>
-              </a:ext>
-            </a:extLst>
-          </p:cNvPr>
-          <p:cNvGrpSpPr/>
-          <p:nvPr/>
-        </p:nvGrpSpPr>
-        <p:grpSpPr>
-          <a:xfrm>
-            <a:off x="7569933" y="1919474"/>
-            <a:ext cx="853218" cy="454849"/>
-            <a:chOff x="5044597" y="3278242"/>
-            <a:chExt cx="2185670" cy="477457"/>
-          </a:xfrm>
-        </p:grpSpPr>
-        <p:grpSp>
-          <p:nvGrpSpPr>
-            <p:cNvPr id="47" name="Group 46">
-              <a:extLst>
-                <a:ext uri="{FF2B5EF4-FFF2-40B4-BE49-F238E27FC236}">
-                  <a16:creationId xmlns:a16="http://schemas.microsoft.com/office/drawing/2014/main" xmlns="" id="{2F390320-68CC-406C-B547-24945F2DF642}"/>
-                </a:ext>
-              </a:extLst>
-            </p:cNvPr>
-            <p:cNvGrpSpPr/>
-            <p:nvPr/>
-          </p:nvGrpSpPr>
-          <p:grpSpPr>
-            <a:xfrm rot="5400000">
-              <a:off x="5899875" y="2553023"/>
-              <a:ext cx="347398" cy="2057953"/>
-              <a:chOff x="6181724" y="3429000"/>
-              <a:chExt cx="287543" cy="1820416"/>
-            </a:xfrm>
-          </p:grpSpPr>
-          <p:sp>
-            <p:nvSpPr>
-              <p:cNvPr id="51" name="Rectangle 50">
-                <a:extLst>
-                  <a:ext uri="{FF2B5EF4-FFF2-40B4-BE49-F238E27FC236}">
-                    <a16:creationId xmlns:a16="http://schemas.microsoft.com/office/drawing/2014/main" xmlns="" id="{D871E674-0078-4925-A32D-1E8C31E249B2}"/>
-                  </a:ext>
-                </a:extLst>
-              </p:cNvPr>
-              <p:cNvSpPr/>
-              <p:nvPr/>
-            </p:nvSpPr>
-            <p:spPr>
-              <a:xfrm flipV="1">
-                <a:off x="6181724" y="3507940"/>
-                <a:ext cx="235875" cy="1538677"/>
-              </a:xfrm>
-              <a:custGeom>
-                <a:avLst/>
-                <a:gdLst>
-                  <a:gd name="connsiteX0" fmla="*/ 0 w 271481"/>
-                  <a:gd name="connsiteY0" fmla="*/ 0 h 679028"/>
-                  <a:gd name="connsiteX1" fmla="*/ 271481 w 271481"/>
-                  <a:gd name="connsiteY1" fmla="*/ 0 h 679028"/>
-                  <a:gd name="connsiteX2" fmla="*/ 271481 w 271481"/>
-                  <a:gd name="connsiteY2" fmla="*/ 679028 h 679028"/>
-                  <a:gd name="connsiteX3" fmla="*/ 0 w 271481"/>
-                  <a:gd name="connsiteY3" fmla="*/ 679028 h 679028"/>
-                  <a:gd name="connsiteX4" fmla="*/ 0 w 271481"/>
-                  <a:gd name="connsiteY4" fmla="*/ 0 h 679028"/>
-                </a:gdLst>
-                <a:ahLst/>
-                <a:cxnLst>
-                  <a:cxn ang="0">
-                    <a:pos x="connsiteX0" y="connsiteY0"/>
-                  </a:cxn>
-                  <a:cxn ang="0">
-                    <a:pos x="connsiteX1" y="connsiteY1"/>
-                  </a:cxn>
-                  <a:cxn ang="0">
-                    <a:pos x="connsiteX2" y="connsiteY2"/>
-                  </a:cxn>
-                  <a:cxn ang="0">
-                    <a:pos x="connsiteX3" y="connsiteY3"/>
-                  </a:cxn>
-                  <a:cxn ang="0">
-                    <a:pos x="connsiteX4" y="connsiteY4"/>
-                  </a:cxn>
-                </a:cxnLst>
-                <a:rect l="l" t="t" r="r" b="b"/>
-                <a:pathLst>
-                  <a:path w="271481" h="679028" fill="none" extrusionOk="0">
-                    <a:moveTo>
-                      <a:pt x="0" y="0"/>
-                    </a:moveTo>
-                    <a:cubicBezTo>
-                      <a:pt x="54518" y="-11897"/>
-                      <a:pt x="181724" y="-8237"/>
-                      <a:pt x="271481" y="0"/>
-                    </a:cubicBezTo>
-                    <a:cubicBezTo>
-                      <a:pt x="240832" y="150130"/>
-                      <a:pt x="246399" y="468042"/>
-                      <a:pt x="271481" y="679028"/>
-                    </a:cubicBezTo>
-                    <a:cubicBezTo>
-                      <a:pt x="184182" y="683635"/>
-                      <a:pt x="64028" y="690379"/>
-                      <a:pt x="0" y="679028"/>
-                    </a:cubicBezTo>
-                    <a:cubicBezTo>
-                      <a:pt x="-14140" y="459048"/>
-                      <a:pt x="21071" y="292516"/>
-                      <a:pt x="0" y="0"/>
-                    </a:cubicBezTo>
-                    <a:close/>
-                  </a:path>
-                  <a:path w="271481" h="679028" stroke="0" extrusionOk="0">
-                    <a:moveTo>
-                      <a:pt x="0" y="0"/>
-                    </a:moveTo>
-                    <a:cubicBezTo>
-                      <a:pt x="60945" y="-9986"/>
-                      <a:pt x="163642" y="-6522"/>
-                      <a:pt x="271481" y="0"/>
-                    </a:cubicBezTo>
-                    <a:cubicBezTo>
-                      <a:pt x="276515" y="317256"/>
-                      <a:pt x="254950" y="431597"/>
-                      <a:pt x="271481" y="679028"/>
-                    </a:cubicBezTo>
-                    <a:cubicBezTo>
-                      <a:pt x="156399" y="682573"/>
-                      <a:pt x="115262" y="667046"/>
-                      <a:pt x="0" y="679028"/>
-                    </a:cubicBezTo>
-                    <a:cubicBezTo>
-                      <a:pt x="24198" y="381814"/>
-                      <a:pt x="27823" y="184595"/>
-                      <a:pt x="0" y="0"/>
-                    </a:cubicBezTo>
-                    <a:close/>
-                  </a:path>
-                </a:pathLst>
-              </a:custGeom>
-              <a:ln w="28575">
-                <a:solidFill>
-                  <a:srgbClr val="4E88C7"/>
-                </a:solidFill>
-                <a:prstDash val="lgDash"/>
-                <a:extLst>
-                  <a:ext uri="{C807C97D-BFC1-408E-A445-0C87EB9F89A2}">
-                    <ask:lineSketchStyleProps xmlns:ask="http://schemas.microsoft.com/office/drawing/2018/sketchyshapes" xmlns="" sd="1219033472">
-                      <a:prstGeom prst="rect">
-                        <a:avLst/>
-                      </a:prstGeom>
-                      <ask:type>
-                        <ask:lineSketchFreehand/>
-                      </ask:type>
-                    </ask:lineSketchStyleProps>
-                  </a:ext>
-                </a:extLst>
-              </a:ln>
-            </p:spPr>
-            <p:txBody>
-              <a:bodyPr wrap="square">
-                <a:spAutoFit/>
-              </a:bodyPr>
-              <a:lstStyle/>
-              <a:p>
-                <a:endParaRPr lang="en-US" sz="1000" b="1" dirty="0"/>
-              </a:p>
-            </p:txBody>
-          </p:sp>
-          <p:sp>
-            <p:nvSpPr>
-              <p:cNvPr id="52" name="Rectangle 51">
-                <a:extLst>
-                  <a:ext uri="{FF2B5EF4-FFF2-40B4-BE49-F238E27FC236}">
-                    <a16:creationId xmlns:a16="http://schemas.microsoft.com/office/drawing/2014/main" xmlns="" id="{CA576896-2CD7-4FE8-98F2-52BF993EFE89}"/>
-                  </a:ext>
-                </a:extLst>
-              </p:cNvPr>
-              <p:cNvSpPr/>
-              <p:nvPr/>
-            </p:nvSpPr>
-            <p:spPr>
-              <a:xfrm>
-                <a:off x="6202492" y="3429000"/>
-                <a:ext cx="266775" cy="1820416"/>
-              </a:xfrm>
-              <a:prstGeom prst="rect">
-                <a:avLst/>
-              </a:prstGeom>
-              <a:solidFill>
-                <a:schemeClr val="bg1"/>
-              </a:solidFill>
-              <a:ln>
-                <a:noFill/>
-              </a:ln>
-            </p:spPr>
-            <p:style>
-              <a:lnRef idx="2">
-                <a:schemeClr val="accent1">
-                  <a:shade val="50000"/>
-                </a:schemeClr>
-              </a:lnRef>
-              <a:fillRef idx="1">
-                <a:schemeClr val="accent1"/>
-              </a:fillRef>
-              <a:effectRef idx="0">
-                <a:schemeClr val="accent1"/>
-              </a:effectRef>
-              <a:fontRef idx="minor">
-                <a:schemeClr val="lt1"/>
-              </a:fontRef>
-            </p:style>
-            <p:txBody>
-              <a:bodyPr rtlCol="0" anchor="ctr"/>
-              <a:lstStyle/>
-              <a:p>
-                <a:pPr algn="ctr"/>
-                <a:endParaRPr lang="en-US"/>
-              </a:p>
-            </p:txBody>
-          </p:sp>
-        </p:grpSp>
-        <p:grpSp>
-          <p:nvGrpSpPr>
-            <p:cNvPr id="48" name="Group 47">
-              <a:extLst>
-                <a:ext uri="{FF2B5EF4-FFF2-40B4-BE49-F238E27FC236}">
-                  <a16:creationId xmlns:a16="http://schemas.microsoft.com/office/drawing/2014/main" xmlns="" id="{805CBC8A-7AA3-4866-A881-2B7A5551C746}"/>
-                </a:ext>
-              </a:extLst>
-            </p:cNvPr>
-            <p:cNvGrpSpPr/>
-            <p:nvPr/>
-          </p:nvGrpSpPr>
-          <p:grpSpPr>
-            <a:xfrm>
-              <a:off x="6955269" y="3278242"/>
-              <a:ext cx="274998" cy="260137"/>
-              <a:chOff x="7078425" y="3164512"/>
-              <a:chExt cx="274998" cy="260137"/>
-            </a:xfrm>
-          </p:grpSpPr>
-          <p:sp>
-            <p:nvSpPr>
-              <p:cNvPr id="49" name="Isosceles Triangle 48">
-                <a:extLst>
-                  <a:ext uri="{FF2B5EF4-FFF2-40B4-BE49-F238E27FC236}">
-                    <a16:creationId xmlns:a16="http://schemas.microsoft.com/office/drawing/2014/main" xmlns="" id="{D5DA2999-94D8-4E39-BDA9-4045A8916070}"/>
-                  </a:ext>
-                </a:extLst>
-              </p:cNvPr>
-              <p:cNvSpPr/>
-              <p:nvPr/>
-            </p:nvSpPr>
-            <p:spPr>
-              <a:xfrm rot="5114528">
-                <a:off x="7113984" y="3182248"/>
-                <a:ext cx="257175" cy="221703"/>
-              </a:xfrm>
-              <a:prstGeom prst="triangle">
-                <a:avLst/>
-              </a:prstGeom>
-              <a:ln>
-                <a:noFill/>
-              </a:ln>
-            </p:spPr>
-            <p:style>
-              <a:lnRef idx="2">
-                <a:schemeClr val="accent1">
-                  <a:shade val="50000"/>
-                </a:schemeClr>
-              </a:lnRef>
-              <a:fillRef idx="1">
-                <a:schemeClr val="accent1"/>
-              </a:fillRef>
-              <a:effectRef idx="0">
-                <a:schemeClr val="accent1"/>
-              </a:effectRef>
-              <a:fontRef idx="minor">
-                <a:schemeClr val="lt1"/>
-              </a:fontRef>
-            </p:style>
-            <p:txBody>
-              <a:bodyPr rtlCol="0" anchor="ctr"/>
-              <a:lstStyle/>
-              <a:p>
-                <a:pPr algn="ctr"/>
-                <a:endParaRPr lang="en-US" dirty="0"/>
-              </a:p>
-            </p:txBody>
-          </p:sp>
-          <p:sp>
-            <p:nvSpPr>
-              <p:cNvPr id="50" name="Isosceles Triangle 49">
-                <a:extLst>
-                  <a:ext uri="{FF2B5EF4-FFF2-40B4-BE49-F238E27FC236}">
-                    <a16:creationId xmlns:a16="http://schemas.microsoft.com/office/drawing/2014/main" xmlns="" id="{A89B3EC8-A34E-4F26-A727-A270B6BB17D3}"/>
-                  </a:ext>
-                </a:extLst>
-              </p:cNvPr>
-              <p:cNvSpPr/>
-              <p:nvPr/>
-            </p:nvSpPr>
-            <p:spPr>
-              <a:xfrm rot="5114528">
-                <a:off x="7060689" y="3185210"/>
-                <a:ext cx="257175" cy="221703"/>
-              </a:xfrm>
-              <a:prstGeom prst="triangle">
-                <a:avLst/>
-              </a:prstGeom>
-              <a:solidFill>
-                <a:schemeClr val="bg1"/>
-              </a:solidFill>
-              <a:ln>
-                <a:noFill/>
-              </a:ln>
-            </p:spPr>
-            <p:style>
-              <a:lnRef idx="2">
-                <a:schemeClr val="accent1">
-                  <a:shade val="50000"/>
-                </a:schemeClr>
-              </a:lnRef>
-              <a:fillRef idx="1">
-                <a:schemeClr val="accent1"/>
-              </a:fillRef>
-              <a:effectRef idx="0">
-                <a:schemeClr val="accent1"/>
-              </a:effectRef>
-              <a:fontRef idx="minor">
-                <a:schemeClr val="lt1"/>
-              </a:fontRef>
-            </p:style>
-            <p:txBody>
-              <a:bodyPr rtlCol="0" anchor="ctr"/>
-              <a:lstStyle/>
-              <a:p>
-                <a:pPr algn="ctr"/>
-                <a:endParaRPr lang="en-US" dirty="0"/>
-              </a:p>
-            </p:txBody>
-          </p:sp>
-        </p:grpSp>
-      </p:grpSp>
       <p:pic>
         <p:nvPicPr>
           <p:cNvPr id="5" name="Graphic 4" descr="Database">
@@ -34395,72 +34241,14 @@
           <a:p>
             <a:pPr algn="ctr"/>
             <a:r>
-              <a:rPr lang="en-US" b="1" dirty="0">
+              <a:rPr lang="en-US" b="1" dirty="0" smtClean="0">
                 <a:latin typeface="Karla" pitchFamily="2" charset="0"/>
               </a:rPr>
-              <a:t>Developer 3</a:t>
-            </a:r>
-          </a:p>
-        </p:txBody>
-      </p:sp>
-      <p:sp>
-        <p:nvSpPr>
-          <p:cNvPr id="70" name="Rectangle 69">
-            <a:extLst>
-              <a:ext uri="{FF2B5EF4-FFF2-40B4-BE49-F238E27FC236}">
-                <a16:creationId xmlns:a16="http://schemas.microsoft.com/office/drawing/2014/main" xmlns="" id="{EB78544F-CE20-4544-9A23-3DE0BCB0ECA3}"/>
-              </a:ext>
-            </a:extLst>
-          </p:cNvPr>
-          <p:cNvSpPr/>
-          <p:nvPr/>
-        </p:nvSpPr>
-        <p:spPr>
-          <a:xfrm>
-            <a:off x="8520502" y="2491048"/>
-            <a:ext cx="1467886" cy="740991"/>
-          </a:xfrm>
-          <a:prstGeom prst="rect">
-            <a:avLst/>
-          </a:prstGeom>
-          <a:solidFill>
-            <a:schemeClr val="bg1">
-              <a:lumMod val="50000"/>
-            </a:schemeClr>
-          </a:solidFill>
-          <a:ln w="28575">
-            <a:solidFill>
-              <a:schemeClr val="bg1"/>
-            </a:solidFill>
-          </a:ln>
-        </p:spPr>
-        <p:style>
-          <a:lnRef idx="2">
-            <a:schemeClr val="accent1">
-              <a:shade val="50000"/>
-            </a:schemeClr>
-          </a:lnRef>
-          <a:fillRef idx="1">
-            <a:schemeClr val="accent1"/>
-          </a:fillRef>
-          <a:effectRef idx="0">
-            <a:schemeClr val="accent1"/>
-          </a:effectRef>
-          <a:fontRef idx="minor">
-            <a:schemeClr val="lt1"/>
-          </a:fontRef>
-        </p:style>
-        <p:txBody>
-          <a:bodyPr rtlCol="0" anchor="ctr"/>
-          <a:lstStyle/>
-          <a:p>
-            <a:pPr algn="ctr"/>
-            <a:r>
-              <a:rPr lang="en-US" b="1" dirty="0">
-                <a:latin typeface="Karla" pitchFamily="2" charset="0"/>
-              </a:rPr>
-              <a:t>Developer 2</a:t>
-            </a:r>
+              <a:t>Model</a:t>
+            </a:r>
+            <a:endParaRPr lang="en-US" b="1" dirty="0">
+              <a:latin typeface="Karla" pitchFamily="2" charset="0"/>
+            </a:endParaRPr>
           </a:p>
         </p:txBody>
       </p:sp>
@@ -34742,356 +34530,6 @@
       </p:grpSp>
       <p:grpSp>
         <p:nvGrpSpPr>
-          <p:cNvPr id="78" name="Group 77">
-            <a:extLst>
-              <a:ext uri="{FF2B5EF4-FFF2-40B4-BE49-F238E27FC236}">
-                <a16:creationId xmlns:a16="http://schemas.microsoft.com/office/drawing/2014/main" xmlns="" id="{795FCA31-4325-4FBC-88CC-3ED25E00F6BC}"/>
-              </a:ext>
-            </a:extLst>
-          </p:cNvPr>
-          <p:cNvGrpSpPr/>
-          <p:nvPr/>
-        </p:nvGrpSpPr>
-        <p:grpSpPr>
-          <a:xfrm>
-            <a:off x="7625804" y="2679570"/>
-            <a:ext cx="737071" cy="509689"/>
-            <a:chOff x="5044597" y="3278242"/>
-            <a:chExt cx="2185670" cy="477460"/>
-          </a:xfrm>
-        </p:grpSpPr>
-        <p:grpSp>
-          <p:nvGrpSpPr>
-            <p:cNvPr id="79" name="Group 78">
-              <a:extLst>
-                <a:ext uri="{FF2B5EF4-FFF2-40B4-BE49-F238E27FC236}">
-                  <a16:creationId xmlns:a16="http://schemas.microsoft.com/office/drawing/2014/main" xmlns="" id="{70199FCE-5A6A-4FA8-8E0F-574E82B62998}"/>
-                </a:ext>
-              </a:extLst>
-            </p:cNvPr>
-            <p:cNvGrpSpPr/>
-            <p:nvPr/>
-          </p:nvGrpSpPr>
-          <p:grpSpPr>
-            <a:xfrm rot="5400000">
-              <a:off x="5899875" y="2553027"/>
-              <a:ext cx="347397" cy="2057953"/>
-              <a:chOff x="6181724" y="3429000"/>
-              <a:chExt cx="287542" cy="1820416"/>
-            </a:xfrm>
-          </p:grpSpPr>
-          <p:sp>
-            <p:nvSpPr>
-              <p:cNvPr id="83" name="Rectangle 82">
-                <a:extLst>
-                  <a:ext uri="{FF2B5EF4-FFF2-40B4-BE49-F238E27FC236}">
-                    <a16:creationId xmlns:a16="http://schemas.microsoft.com/office/drawing/2014/main" xmlns="" id="{A9EC4EE5-31E6-4447-92C0-053D71FB929E}"/>
-                  </a:ext>
-                </a:extLst>
-              </p:cNvPr>
-              <p:cNvSpPr/>
-              <p:nvPr/>
-            </p:nvSpPr>
-            <p:spPr>
-              <a:xfrm flipV="1">
-                <a:off x="6181724" y="3507940"/>
-                <a:ext cx="235875" cy="1538677"/>
-              </a:xfrm>
-              <a:custGeom>
-                <a:avLst/>
-                <a:gdLst>
-                  <a:gd name="connsiteX0" fmla="*/ 0 w 304211"/>
-                  <a:gd name="connsiteY0" fmla="*/ 0 h 586593"/>
-                  <a:gd name="connsiteX1" fmla="*/ 304211 w 304211"/>
-                  <a:gd name="connsiteY1" fmla="*/ 0 h 586593"/>
-                  <a:gd name="connsiteX2" fmla="*/ 304211 w 304211"/>
-                  <a:gd name="connsiteY2" fmla="*/ 586593 h 586593"/>
-                  <a:gd name="connsiteX3" fmla="*/ 0 w 304211"/>
-                  <a:gd name="connsiteY3" fmla="*/ 586593 h 586593"/>
-                  <a:gd name="connsiteX4" fmla="*/ 0 w 304211"/>
-                  <a:gd name="connsiteY4" fmla="*/ 0 h 586593"/>
-                </a:gdLst>
-                <a:ahLst/>
-                <a:cxnLst>
-                  <a:cxn ang="0">
-                    <a:pos x="connsiteX0" y="connsiteY0"/>
-                  </a:cxn>
-                  <a:cxn ang="0">
-                    <a:pos x="connsiteX1" y="connsiteY1"/>
-                  </a:cxn>
-                  <a:cxn ang="0">
-                    <a:pos x="connsiteX2" y="connsiteY2"/>
-                  </a:cxn>
-                  <a:cxn ang="0">
-                    <a:pos x="connsiteX3" y="connsiteY3"/>
-                  </a:cxn>
-                  <a:cxn ang="0">
-                    <a:pos x="connsiteX4" y="connsiteY4"/>
-                  </a:cxn>
-                </a:cxnLst>
-                <a:rect l="l" t="t" r="r" b="b"/>
-                <a:pathLst>
-                  <a:path w="304211" h="586593" fill="none" extrusionOk="0">
-                    <a:moveTo>
-                      <a:pt x="0" y="0"/>
-                    </a:moveTo>
-                    <a:cubicBezTo>
-                      <a:pt x="117947" y="12185"/>
-                      <a:pt x="205715" y="-3950"/>
-                      <a:pt x="304211" y="0"/>
-                    </a:cubicBezTo>
-                    <a:cubicBezTo>
-                      <a:pt x="281457" y="198075"/>
-                      <a:pt x="293993" y="382215"/>
-                      <a:pt x="304211" y="586593"/>
-                    </a:cubicBezTo>
-                    <a:cubicBezTo>
-                      <a:pt x="192102" y="585836"/>
-                      <a:pt x="144233" y="580283"/>
-                      <a:pt x="0" y="586593"/>
-                    </a:cubicBezTo>
-                    <a:cubicBezTo>
-                      <a:pt x="-5589" y="425688"/>
-                      <a:pt x="14604" y="215732"/>
-                      <a:pt x="0" y="0"/>
-                    </a:cubicBezTo>
-                    <a:close/>
-                  </a:path>
-                  <a:path w="304211" h="586593" stroke="0" extrusionOk="0">
-                    <a:moveTo>
-                      <a:pt x="0" y="0"/>
-                    </a:moveTo>
-                    <a:cubicBezTo>
-                      <a:pt x="135242" y="-6958"/>
-                      <a:pt x="199550" y="-7435"/>
-                      <a:pt x="304211" y="0"/>
-                    </a:cubicBezTo>
-                    <a:cubicBezTo>
-                      <a:pt x="308873" y="276628"/>
-                      <a:pt x="332574" y="427815"/>
-                      <a:pt x="304211" y="586593"/>
-                    </a:cubicBezTo>
-                    <a:cubicBezTo>
-                      <a:pt x="195206" y="581775"/>
-                      <a:pt x="140216" y="584494"/>
-                      <a:pt x="0" y="586593"/>
-                    </a:cubicBezTo>
-                    <a:cubicBezTo>
-                      <a:pt x="14183" y="318536"/>
-                      <a:pt x="16176" y="144254"/>
-                      <a:pt x="0" y="0"/>
-                    </a:cubicBezTo>
-                    <a:close/>
-                  </a:path>
-                </a:pathLst>
-              </a:custGeom>
-              <a:ln w="28575">
-                <a:solidFill>
-                  <a:srgbClr val="4E88C7"/>
-                </a:solidFill>
-                <a:prstDash val="lgDash"/>
-                <a:extLst>
-                  <a:ext uri="{C807C97D-BFC1-408E-A445-0C87EB9F89A2}">
-                    <ask:lineSketchStyleProps xmlns:ask="http://schemas.microsoft.com/office/drawing/2018/sketchyshapes" xmlns="" sd="1219033472">
-                      <a:prstGeom prst="rect">
-                        <a:avLst/>
-                      </a:prstGeom>
-                      <ask:type>
-                        <ask:lineSketchFreehand/>
-                      </ask:type>
-                    </ask:lineSketchStyleProps>
-                  </a:ext>
-                </a:extLst>
-              </a:ln>
-            </p:spPr>
-            <p:txBody>
-              <a:bodyPr wrap="square">
-                <a:spAutoFit/>
-              </a:bodyPr>
-              <a:lstStyle/>
-              <a:p>
-                <a:endParaRPr lang="en-US" sz="1000" b="1" dirty="0"/>
-              </a:p>
-            </p:txBody>
-          </p:sp>
-          <p:sp>
-            <p:nvSpPr>
-              <p:cNvPr id="84" name="Rectangle 83">
-                <a:extLst>
-                  <a:ext uri="{FF2B5EF4-FFF2-40B4-BE49-F238E27FC236}">
-                    <a16:creationId xmlns:a16="http://schemas.microsoft.com/office/drawing/2014/main" xmlns="" id="{CE380C27-5599-4403-B13B-FF4853944CA5}"/>
-                  </a:ext>
-                </a:extLst>
-              </p:cNvPr>
-              <p:cNvSpPr/>
-              <p:nvPr/>
-            </p:nvSpPr>
-            <p:spPr>
-              <a:xfrm>
-                <a:off x="6202491" y="3429000"/>
-                <a:ext cx="266775" cy="1820416"/>
-              </a:xfrm>
-              <a:prstGeom prst="rect">
-                <a:avLst/>
-              </a:prstGeom>
-              <a:solidFill>
-                <a:schemeClr val="bg1"/>
-              </a:solidFill>
-              <a:ln>
-                <a:noFill/>
-              </a:ln>
-            </p:spPr>
-            <p:style>
-              <a:lnRef idx="2">
-                <a:schemeClr val="accent1">
-                  <a:shade val="50000"/>
-                </a:schemeClr>
-              </a:lnRef>
-              <a:fillRef idx="1">
-                <a:schemeClr val="accent1"/>
-              </a:fillRef>
-              <a:effectRef idx="0">
-                <a:schemeClr val="accent1"/>
-              </a:effectRef>
-              <a:fontRef idx="minor">
-                <a:schemeClr val="lt1"/>
-              </a:fontRef>
-            </p:style>
-            <p:txBody>
-              <a:bodyPr rtlCol="0" anchor="ctr"/>
-              <a:lstStyle/>
-              <a:p>
-                <a:pPr algn="ctr"/>
-                <a:endParaRPr lang="en-US"/>
-              </a:p>
-            </p:txBody>
-          </p:sp>
-        </p:grpSp>
-        <p:grpSp>
-          <p:nvGrpSpPr>
-            <p:cNvPr id="80" name="Group 79">
-              <a:extLst>
-                <a:ext uri="{FF2B5EF4-FFF2-40B4-BE49-F238E27FC236}">
-                  <a16:creationId xmlns:a16="http://schemas.microsoft.com/office/drawing/2014/main" xmlns="" id="{319650CA-94AD-4BFC-AB22-1DB332C44379}"/>
-                </a:ext>
-              </a:extLst>
-            </p:cNvPr>
-            <p:cNvGrpSpPr/>
-            <p:nvPr/>
-          </p:nvGrpSpPr>
-          <p:grpSpPr>
-            <a:xfrm>
-              <a:off x="6955269" y="3278242"/>
-              <a:ext cx="274998" cy="260137"/>
-              <a:chOff x="7078425" y="3164512"/>
-              <a:chExt cx="274998" cy="260137"/>
-            </a:xfrm>
-          </p:grpSpPr>
-          <p:sp>
-            <p:nvSpPr>
-              <p:cNvPr id="81" name="Isosceles Triangle 80">
-                <a:extLst>
-                  <a:ext uri="{FF2B5EF4-FFF2-40B4-BE49-F238E27FC236}">
-                    <a16:creationId xmlns:a16="http://schemas.microsoft.com/office/drawing/2014/main" xmlns="" id="{6F0B456A-097A-4215-9300-F59740645894}"/>
-                  </a:ext>
-                </a:extLst>
-              </p:cNvPr>
-              <p:cNvSpPr/>
-              <p:nvPr/>
-            </p:nvSpPr>
-            <p:spPr>
-              <a:xfrm rot="5114528">
-                <a:off x="7113984" y="3182248"/>
-                <a:ext cx="257175" cy="221703"/>
-              </a:xfrm>
-              <a:prstGeom prst="triangle">
-                <a:avLst/>
-              </a:prstGeom>
-              <a:ln>
-                <a:noFill/>
-              </a:ln>
-            </p:spPr>
-            <p:style>
-              <a:lnRef idx="2">
-                <a:schemeClr val="accent1">
-                  <a:shade val="50000"/>
-                </a:schemeClr>
-              </a:lnRef>
-              <a:fillRef idx="1">
-                <a:schemeClr val="accent1"/>
-              </a:fillRef>
-              <a:effectRef idx="0">
-                <a:schemeClr val="accent1"/>
-              </a:effectRef>
-              <a:fontRef idx="minor">
-                <a:schemeClr val="lt1"/>
-              </a:fontRef>
-            </p:style>
-            <p:txBody>
-              <a:bodyPr rtlCol="0" anchor="ctr"/>
-              <a:lstStyle/>
-              <a:p>
-                <a:pPr algn="ctr"/>
-                <a:endParaRPr lang="en-US" dirty="0"/>
-              </a:p>
-            </p:txBody>
-          </p:sp>
-          <p:sp>
-            <p:nvSpPr>
-              <p:cNvPr id="82" name="Isosceles Triangle 81">
-                <a:extLst>
-                  <a:ext uri="{FF2B5EF4-FFF2-40B4-BE49-F238E27FC236}">
-                    <a16:creationId xmlns:a16="http://schemas.microsoft.com/office/drawing/2014/main" xmlns="" id="{511B0502-ED3A-4A3C-AD85-5831A6256F7C}"/>
-                  </a:ext>
-                </a:extLst>
-              </p:cNvPr>
-              <p:cNvSpPr/>
-              <p:nvPr/>
-            </p:nvSpPr>
-            <p:spPr>
-              <a:xfrm rot="5114528">
-                <a:off x="7060689" y="3185210"/>
-                <a:ext cx="257175" cy="221703"/>
-              </a:xfrm>
-              <a:prstGeom prst="triangle">
-                <a:avLst/>
-              </a:prstGeom>
-              <a:solidFill>
-                <a:schemeClr val="bg1"/>
-              </a:solidFill>
-              <a:ln>
-                <a:noFill/>
-              </a:ln>
-            </p:spPr>
-            <p:style>
-              <a:lnRef idx="2">
-                <a:schemeClr val="accent1">
-                  <a:shade val="50000"/>
-                </a:schemeClr>
-              </a:lnRef>
-              <a:fillRef idx="1">
-                <a:schemeClr val="accent1"/>
-              </a:fillRef>
-              <a:effectRef idx="0">
-                <a:schemeClr val="accent1"/>
-              </a:effectRef>
-              <a:fontRef idx="minor">
-                <a:schemeClr val="lt1"/>
-              </a:fontRef>
-            </p:style>
-            <p:txBody>
-              <a:bodyPr rtlCol="0" anchor="ctr"/>
-              <a:lstStyle/>
-              <a:p>
-                <a:pPr algn="ctr"/>
-                <a:endParaRPr lang="en-US" dirty="0"/>
-              </a:p>
-            </p:txBody>
-          </p:sp>
-        </p:grpSp>
-      </p:grpSp>
-      <p:grpSp>
-        <p:nvGrpSpPr>
           <p:cNvPr id="53" name="Group 52">
             <a:extLst>
               <a:ext uri="{FF2B5EF4-FFF2-40B4-BE49-F238E27FC236}">
@@ -35104,7 +34542,7 @@
         </p:nvGrpSpPr>
         <p:grpSpPr>
           <a:xfrm>
-            <a:off x="4546243" y="4147509"/>
+            <a:off x="4546243" y="4073769"/>
             <a:ext cx="2577640" cy="454849"/>
             <a:chOff x="5044597" y="3278242"/>
             <a:chExt cx="2185670" cy="477457"/>
@@ -35500,742 +34938,115 @@
           </p:sp>
         </p:grpSp>
       </p:grpSp>
-      <p:grpSp>
-        <p:nvGrpSpPr>
-          <p:cNvPr id="92" name="Group 91">
+      <p:pic>
+        <p:nvPicPr>
+          <p:cNvPr id="3" name="Graphic 2" descr="Presentation with bar chart RTL">
             <a:extLst>
               <a:ext uri="{FF2B5EF4-FFF2-40B4-BE49-F238E27FC236}">
-                <a16:creationId xmlns:a16="http://schemas.microsoft.com/office/drawing/2014/main" xmlns="" id="{503D69D8-E07F-45CC-8BDE-785F831354F8}"/>
+                <a16:creationId xmlns:a16="http://schemas.microsoft.com/office/drawing/2014/main" xmlns="" id="{FCC6EF65-A008-49BA-8099-EEBF0AB3C0F8}"/>
               </a:ext>
             </a:extLst>
           </p:cNvPr>
-          <p:cNvGrpSpPr/>
+          <p:cNvPicPr>
+            <a:picLocks noChangeAspect="1"/>
+          </p:cNvPicPr>
           <p:nvPr/>
-        </p:nvGrpSpPr>
-        <p:grpSpPr>
+        </p:nvPicPr>
+        <p:blipFill>
+          <a:blip r:embed="rId6">
+            <a:extLst>
+              <a:ext uri="{28A0092B-C50C-407E-A947-70E740481C1C}">
+                <a14:useLocalDpi xmlns:a14="http://schemas.microsoft.com/office/drawing/2010/main" val="0"/>
+              </a:ext>
+              <a:ext uri="{96DAC541-7B7A-43D3-8B79-37D633B846F1}">
+                <asvg:svgBlip xmlns:asvg="http://schemas.microsoft.com/office/drawing/2016/SVG/main" xmlns="" r:embed="rId7"/>
+              </a:ext>
+            </a:extLst>
+          </a:blip>
+          <a:stretch>
+            <a:fillRect/>
+          </a:stretch>
+        </p:blipFill>
+        <p:spPr>
           <a:xfrm>
-            <a:off x="10040406" y="1857886"/>
-            <a:ext cx="853218" cy="454849"/>
-            <a:chOff x="5044597" y="3278242"/>
-            <a:chExt cx="2185670" cy="477457"/>
+            <a:off x="7224949" y="5436067"/>
+            <a:ext cx="1208214" cy="1322535"/>
           </a:xfrm>
-        </p:grpSpPr>
-        <p:grpSp>
-          <p:nvGrpSpPr>
-            <p:cNvPr id="93" name="Group 92">
-              <a:extLst>
-                <a:ext uri="{FF2B5EF4-FFF2-40B4-BE49-F238E27FC236}">
-                  <a16:creationId xmlns:a16="http://schemas.microsoft.com/office/drawing/2014/main" xmlns="" id="{4E250EC7-6C13-40B3-9926-AE765E30E1E6}"/>
-                </a:ext>
-              </a:extLst>
-            </p:cNvPr>
-            <p:cNvGrpSpPr/>
-            <p:nvPr/>
-          </p:nvGrpSpPr>
-          <p:grpSpPr>
-            <a:xfrm rot="5400000">
-              <a:off x="5899875" y="2553023"/>
-              <a:ext cx="347398" cy="2057953"/>
-              <a:chOff x="6181724" y="3429000"/>
-              <a:chExt cx="287543" cy="1820416"/>
-            </a:xfrm>
-          </p:grpSpPr>
-          <p:sp>
-            <p:nvSpPr>
-              <p:cNvPr id="97" name="Rectangle 96">
-                <a:extLst>
-                  <a:ext uri="{FF2B5EF4-FFF2-40B4-BE49-F238E27FC236}">
-                    <a16:creationId xmlns:a16="http://schemas.microsoft.com/office/drawing/2014/main" xmlns="" id="{3988C903-B286-45CA-96BF-E96780072166}"/>
-                  </a:ext>
-                </a:extLst>
-              </p:cNvPr>
-              <p:cNvSpPr/>
-              <p:nvPr/>
-            </p:nvSpPr>
-            <p:spPr>
-              <a:xfrm flipV="1">
-                <a:off x="6181724" y="3507940"/>
-                <a:ext cx="235875" cy="1538677"/>
-              </a:xfrm>
-              <a:custGeom>
-                <a:avLst/>
-                <a:gdLst>
-                  <a:gd name="connsiteX0" fmla="*/ 0 w 271481"/>
-                  <a:gd name="connsiteY0" fmla="*/ 0 h 679028"/>
-                  <a:gd name="connsiteX1" fmla="*/ 271481 w 271481"/>
-                  <a:gd name="connsiteY1" fmla="*/ 0 h 679028"/>
-                  <a:gd name="connsiteX2" fmla="*/ 271481 w 271481"/>
-                  <a:gd name="connsiteY2" fmla="*/ 679028 h 679028"/>
-                  <a:gd name="connsiteX3" fmla="*/ 0 w 271481"/>
-                  <a:gd name="connsiteY3" fmla="*/ 679028 h 679028"/>
-                  <a:gd name="connsiteX4" fmla="*/ 0 w 271481"/>
-                  <a:gd name="connsiteY4" fmla="*/ 0 h 679028"/>
-                </a:gdLst>
-                <a:ahLst/>
-                <a:cxnLst>
-                  <a:cxn ang="0">
-                    <a:pos x="connsiteX0" y="connsiteY0"/>
-                  </a:cxn>
-                  <a:cxn ang="0">
-                    <a:pos x="connsiteX1" y="connsiteY1"/>
-                  </a:cxn>
-                  <a:cxn ang="0">
-                    <a:pos x="connsiteX2" y="connsiteY2"/>
-                  </a:cxn>
-                  <a:cxn ang="0">
-                    <a:pos x="connsiteX3" y="connsiteY3"/>
-                  </a:cxn>
-                  <a:cxn ang="0">
-                    <a:pos x="connsiteX4" y="connsiteY4"/>
-                  </a:cxn>
-                </a:cxnLst>
-                <a:rect l="l" t="t" r="r" b="b"/>
-                <a:pathLst>
-                  <a:path w="271481" h="679028" fill="none" extrusionOk="0">
-                    <a:moveTo>
-                      <a:pt x="0" y="0"/>
-                    </a:moveTo>
-                    <a:cubicBezTo>
-                      <a:pt x="54518" y="-11897"/>
-                      <a:pt x="181724" y="-8237"/>
-                      <a:pt x="271481" y="0"/>
-                    </a:cubicBezTo>
-                    <a:cubicBezTo>
-                      <a:pt x="240832" y="150130"/>
-                      <a:pt x="246399" y="468042"/>
-                      <a:pt x="271481" y="679028"/>
-                    </a:cubicBezTo>
-                    <a:cubicBezTo>
-                      <a:pt x="184182" y="683635"/>
-                      <a:pt x="64028" y="690379"/>
-                      <a:pt x="0" y="679028"/>
-                    </a:cubicBezTo>
-                    <a:cubicBezTo>
-                      <a:pt x="-14140" y="459048"/>
-                      <a:pt x="21071" y="292516"/>
-                      <a:pt x="0" y="0"/>
-                    </a:cubicBezTo>
-                    <a:close/>
-                  </a:path>
-                  <a:path w="271481" h="679028" stroke="0" extrusionOk="0">
-                    <a:moveTo>
-                      <a:pt x="0" y="0"/>
-                    </a:moveTo>
-                    <a:cubicBezTo>
-                      <a:pt x="60945" y="-9986"/>
-                      <a:pt x="163642" y="-6522"/>
-                      <a:pt x="271481" y="0"/>
-                    </a:cubicBezTo>
-                    <a:cubicBezTo>
-                      <a:pt x="276515" y="317256"/>
-                      <a:pt x="254950" y="431597"/>
-                      <a:pt x="271481" y="679028"/>
-                    </a:cubicBezTo>
-                    <a:cubicBezTo>
-                      <a:pt x="156399" y="682573"/>
-                      <a:pt x="115262" y="667046"/>
-                      <a:pt x="0" y="679028"/>
-                    </a:cubicBezTo>
-                    <a:cubicBezTo>
-                      <a:pt x="24198" y="381814"/>
-                      <a:pt x="27823" y="184595"/>
-                      <a:pt x="0" y="0"/>
-                    </a:cubicBezTo>
-                    <a:close/>
-                  </a:path>
-                </a:pathLst>
-              </a:custGeom>
-              <a:ln w="28575">
-                <a:solidFill>
-                  <a:srgbClr val="4E88C7"/>
-                </a:solidFill>
-                <a:prstDash val="lgDash"/>
-                <a:extLst>
-                  <a:ext uri="{C807C97D-BFC1-408E-A445-0C87EB9F89A2}">
-                    <ask:lineSketchStyleProps xmlns:ask="http://schemas.microsoft.com/office/drawing/2018/sketchyshapes" xmlns="" sd="1219033472">
-                      <a:prstGeom prst="rect">
-                        <a:avLst/>
-                      </a:prstGeom>
-                      <ask:type>
-                        <ask:lineSketchFreehand/>
-                      </ask:type>
-                    </ask:lineSketchStyleProps>
-                  </a:ext>
-                </a:extLst>
-              </a:ln>
-            </p:spPr>
-            <p:txBody>
-              <a:bodyPr wrap="square">
-                <a:spAutoFit/>
-              </a:bodyPr>
-              <a:lstStyle/>
-              <a:p>
-                <a:endParaRPr lang="en-US" sz="1000" b="1" dirty="0"/>
-              </a:p>
-            </p:txBody>
-          </p:sp>
-          <p:sp>
-            <p:nvSpPr>
-              <p:cNvPr id="98" name="Rectangle 97">
-                <a:extLst>
-                  <a:ext uri="{FF2B5EF4-FFF2-40B4-BE49-F238E27FC236}">
-                    <a16:creationId xmlns:a16="http://schemas.microsoft.com/office/drawing/2014/main" xmlns="" id="{C2BE66B8-87DB-4EB4-AE5E-9782A8C89180}"/>
-                  </a:ext>
-                </a:extLst>
-              </p:cNvPr>
-              <p:cNvSpPr/>
-              <p:nvPr/>
-            </p:nvSpPr>
-            <p:spPr>
-              <a:xfrm>
-                <a:off x="6202492" y="3429000"/>
-                <a:ext cx="266775" cy="1820416"/>
-              </a:xfrm>
-              <a:prstGeom prst="rect">
-                <a:avLst/>
-              </a:prstGeom>
-              <a:solidFill>
-                <a:schemeClr val="bg1"/>
-              </a:solidFill>
-              <a:ln>
-                <a:noFill/>
-              </a:ln>
-            </p:spPr>
-            <p:style>
-              <a:lnRef idx="2">
-                <a:schemeClr val="accent1">
-                  <a:shade val="50000"/>
-                </a:schemeClr>
-              </a:lnRef>
-              <a:fillRef idx="1">
-                <a:schemeClr val="accent1"/>
-              </a:fillRef>
-              <a:effectRef idx="0">
-                <a:schemeClr val="accent1"/>
-              </a:effectRef>
-              <a:fontRef idx="minor">
-                <a:schemeClr val="lt1"/>
-              </a:fontRef>
-            </p:style>
-            <p:txBody>
-              <a:bodyPr rtlCol="0" anchor="ctr"/>
-              <a:lstStyle/>
-              <a:p>
-                <a:pPr algn="ctr"/>
-                <a:endParaRPr lang="en-US"/>
-              </a:p>
-            </p:txBody>
-          </p:sp>
-        </p:grpSp>
-        <p:grpSp>
-          <p:nvGrpSpPr>
-            <p:cNvPr id="94" name="Group 93">
-              <a:extLst>
-                <a:ext uri="{FF2B5EF4-FFF2-40B4-BE49-F238E27FC236}">
-                  <a16:creationId xmlns:a16="http://schemas.microsoft.com/office/drawing/2014/main" xmlns="" id="{9D734929-A1FE-4527-AD09-46B43954CA34}"/>
-                </a:ext>
-              </a:extLst>
-            </p:cNvPr>
-            <p:cNvGrpSpPr/>
-            <p:nvPr/>
-          </p:nvGrpSpPr>
-          <p:grpSpPr>
-            <a:xfrm>
-              <a:off x="6955269" y="3278242"/>
-              <a:ext cx="274998" cy="260137"/>
-              <a:chOff x="7078425" y="3164512"/>
-              <a:chExt cx="274998" cy="260137"/>
-            </a:xfrm>
-          </p:grpSpPr>
-          <p:sp>
-            <p:nvSpPr>
-              <p:cNvPr id="95" name="Isosceles Triangle 94">
-                <a:extLst>
-                  <a:ext uri="{FF2B5EF4-FFF2-40B4-BE49-F238E27FC236}">
-                    <a16:creationId xmlns:a16="http://schemas.microsoft.com/office/drawing/2014/main" xmlns="" id="{102B63F4-6ECF-43A3-A605-82EB9CA27FC4}"/>
-                  </a:ext>
-                </a:extLst>
-              </p:cNvPr>
-              <p:cNvSpPr/>
-              <p:nvPr/>
-            </p:nvSpPr>
-            <p:spPr>
-              <a:xfrm rot="5114528">
-                <a:off x="7113984" y="3182248"/>
-                <a:ext cx="257175" cy="221703"/>
-              </a:xfrm>
-              <a:prstGeom prst="triangle">
-                <a:avLst/>
-              </a:prstGeom>
-              <a:ln>
-                <a:noFill/>
-              </a:ln>
-            </p:spPr>
-            <p:style>
-              <a:lnRef idx="2">
-                <a:schemeClr val="accent1">
-                  <a:shade val="50000"/>
-                </a:schemeClr>
-              </a:lnRef>
-              <a:fillRef idx="1">
-                <a:schemeClr val="accent1"/>
-              </a:fillRef>
-              <a:effectRef idx="0">
-                <a:schemeClr val="accent1"/>
-              </a:effectRef>
-              <a:fontRef idx="minor">
-                <a:schemeClr val="lt1"/>
-              </a:fontRef>
-            </p:style>
-            <p:txBody>
-              <a:bodyPr rtlCol="0" anchor="ctr"/>
-              <a:lstStyle/>
-              <a:p>
-                <a:pPr algn="ctr"/>
-                <a:endParaRPr lang="en-US" dirty="0"/>
-              </a:p>
-            </p:txBody>
-          </p:sp>
-          <p:sp>
-            <p:nvSpPr>
-              <p:cNvPr id="96" name="Isosceles Triangle 95">
-                <a:extLst>
-                  <a:ext uri="{FF2B5EF4-FFF2-40B4-BE49-F238E27FC236}">
-                    <a16:creationId xmlns:a16="http://schemas.microsoft.com/office/drawing/2014/main" xmlns="" id="{28E53E38-FA36-48B2-9D54-F7AFB76E52F2}"/>
-                  </a:ext>
-                </a:extLst>
-              </p:cNvPr>
-              <p:cNvSpPr/>
-              <p:nvPr/>
-            </p:nvSpPr>
-            <p:spPr>
-              <a:xfrm rot="5114528">
-                <a:off x="7060689" y="3185210"/>
-                <a:ext cx="257175" cy="221703"/>
-              </a:xfrm>
-              <a:prstGeom prst="triangle">
-                <a:avLst/>
-              </a:prstGeom>
-              <a:solidFill>
-                <a:schemeClr val="bg1"/>
-              </a:solidFill>
-              <a:ln>
-                <a:noFill/>
-              </a:ln>
-            </p:spPr>
-            <p:style>
-              <a:lnRef idx="2">
-                <a:schemeClr val="accent1">
-                  <a:shade val="50000"/>
-                </a:schemeClr>
-              </a:lnRef>
-              <a:fillRef idx="1">
-                <a:schemeClr val="accent1"/>
-              </a:fillRef>
-              <a:effectRef idx="0">
-                <a:schemeClr val="accent1"/>
-              </a:effectRef>
-              <a:fontRef idx="minor">
-                <a:schemeClr val="lt1"/>
-              </a:fontRef>
-            </p:style>
-            <p:txBody>
-              <a:bodyPr rtlCol="0" anchor="ctr"/>
-              <a:lstStyle/>
-              <a:p>
-                <a:pPr algn="ctr"/>
-                <a:endParaRPr lang="en-US" dirty="0"/>
-              </a:p>
-            </p:txBody>
-          </p:sp>
-        </p:grpSp>
-      </p:grpSp>
-      <p:grpSp>
-        <p:nvGrpSpPr>
-          <p:cNvPr id="99" name="Group 98">
+          <a:prstGeom prst="rect">
+            <a:avLst/>
+          </a:prstGeom>
+        </p:spPr>
+      </p:pic>
+      <p:sp>
+        <p:nvSpPr>
+          <p:cNvPr id="73" name="Rectangle 72">
             <a:extLst>
               <a:ext uri="{FF2B5EF4-FFF2-40B4-BE49-F238E27FC236}">
-                <a16:creationId xmlns:a16="http://schemas.microsoft.com/office/drawing/2014/main" xmlns="" id="{9C5BAD30-F2C4-4408-9ECF-808B4A8867C9}"/>
+                <a16:creationId xmlns:a16="http://schemas.microsoft.com/office/drawing/2014/main" xmlns="" id="{65132692-C58F-42AA-BA8C-204C3941DF87}"/>
               </a:ext>
             </a:extLst>
           </p:cNvPr>
-          <p:cNvGrpSpPr/>
+          <p:cNvSpPr/>
           <p:nvPr/>
-        </p:nvGrpSpPr>
-        <p:grpSpPr>
+        </p:nvSpPr>
+        <p:spPr>
           <a:xfrm>
-            <a:off x="10096279" y="2617981"/>
-            <a:ext cx="801893" cy="509689"/>
-            <a:chOff x="5044598" y="3278242"/>
-            <a:chExt cx="2377888" cy="477460"/>
+            <a:off x="4063763" y="5580210"/>
+            <a:ext cx="1467886" cy="740991"/>
           </a:xfrm>
-        </p:grpSpPr>
-        <p:grpSp>
-          <p:nvGrpSpPr>
-            <p:cNvPr id="100" name="Group 99">
-              <a:extLst>
-                <a:ext uri="{FF2B5EF4-FFF2-40B4-BE49-F238E27FC236}">
-                  <a16:creationId xmlns:a16="http://schemas.microsoft.com/office/drawing/2014/main" xmlns="" id="{6E73F373-C038-4F33-B55B-562E841408C3}"/>
-                </a:ext>
-              </a:extLst>
-            </p:cNvPr>
-            <p:cNvGrpSpPr/>
-            <p:nvPr/>
-          </p:nvGrpSpPr>
-          <p:grpSpPr>
-            <a:xfrm rot="5400000">
-              <a:off x="6059843" y="2393060"/>
-              <a:ext cx="347397" cy="2377888"/>
-              <a:chOff x="6181724" y="3145993"/>
-              <a:chExt cx="287542" cy="2103423"/>
-            </a:xfrm>
-          </p:grpSpPr>
-          <p:sp>
-            <p:nvSpPr>
-              <p:cNvPr id="104" name="Rectangle 103">
-                <a:extLst>
-                  <a:ext uri="{FF2B5EF4-FFF2-40B4-BE49-F238E27FC236}">
-                    <a16:creationId xmlns:a16="http://schemas.microsoft.com/office/drawing/2014/main" xmlns="" id="{1C56DC10-97A9-4AFC-8D8A-278077ABF746}"/>
-                  </a:ext>
-                </a:extLst>
-              </p:cNvPr>
-              <p:cNvSpPr/>
-              <p:nvPr/>
-            </p:nvSpPr>
-            <p:spPr>
-              <a:xfrm flipV="1">
-                <a:off x="6181724" y="3145993"/>
-                <a:ext cx="223874" cy="1900624"/>
-              </a:xfrm>
-              <a:custGeom>
-                <a:avLst/>
-                <a:gdLst>
-                  <a:gd name="connsiteX0" fmla="*/ 0 w 288733"/>
-                  <a:gd name="connsiteY0" fmla="*/ 0 h 724579"/>
-                  <a:gd name="connsiteX1" fmla="*/ 288733 w 288733"/>
-                  <a:gd name="connsiteY1" fmla="*/ 0 h 724579"/>
-                  <a:gd name="connsiteX2" fmla="*/ 288733 w 288733"/>
-                  <a:gd name="connsiteY2" fmla="*/ 347798 h 724579"/>
-                  <a:gd name="connsiteX3" fmla="*/ 288733 w 288733"/>
-                  <a:gd name="connsiteY3" fmla="*/ 724579 h 724579"/>
-                  <a:gd name="connsiteX4" fmla="*/ 0 w 288733"/>
-                  <a:gd name="connsiteY4" fmla="*/ 724579 h 724579"/>
-                  <a:gd name="connsiteX5" fmla="*/ 0 w 288733"/>
-                  <a:gd name="connsiteY5" fmla="*/ 369535 h 724579"/>
-                  <a:gd name="connsiteX6" fmla="*/ 0 w 288733"/>
-                  <a:gd name="connsiteY6" fmla="*/ 0 h 724579"/>
-                </a:gdLst>
-                <a:ahLst/>
-                <a:cxnLst>
-                  <a:cxn ang="0">
-                    <a:pos x="connsiteX0" y="connsiteY0"/>
-                  </a:cxn>
-                  <a:cxn ang="0">
-                    <a:pos x="connsiteX1" y="connsiteY1"/>
-                  </a:cxn>
-                  <a:cxn ang="0">
-                    <a:pos x="connsiteX2" y="connsiteY2"/>
-                  </a:cxn>
-                  <a:cxn ang="0">
-                    <a:pos x="connsiteX3" y="connsiteY3"/>
-                  </a:cxn>
-                  <a:cxn ang="0">
-                    <a:pos x="connsiteX4" y="connsiteY4"/>
-                  </a:cxn>
-                  <a:cxn ang="0">
-                    <a:pos x="connsiteX5" y="connsiteY5"/>
-                  </a:cxn>
-                  <a:cxn ang="0">
-                    <a:pos x="connsiteX6" y="connsiteY6"/>
-                  </a:cxn>
-                </a:cxnLst>
-                <a:rect l="l" t="t" r="r" b="b"/>
-                <a:pathLst>
-                  <a:path w="288733" h="724579" fill="none" extrusionOk="0">
-                    <a:moveTo>
-                      <a:pt x="0" y="0"/>
-                    </a:moveTo>
-                    <a:cubicBezTo>
-                      <a:pt x="91683" y="10500"/>
-                      <a:pt x="163231" y="-10549"/>
-                      <a:pt x="288733" y="0"/>
-                    </a:cubicBezTo>
-                    <a:cubicBezTo>
-                      <a:pt x="287431" y="96443"/>
-                      <a:pt x="288449" y="237326"/>
-                      <a:pt x="288733" y="347798"/>
-                    </a:cubicBezTo>
-                    <a:cubicBezTo>
-                      <a:pt x="289017" y="458270"/>
-                      <a:pt x="291093" y="623137"/>
-                      <a:pt x="288733" y="724579"/>
-                    </a:cubicBezTo>
-                    <a:cubicBezTo>
-                      <a:pt x="225884" y="737549"/>
-                      <a:pt x="107354" y="729650"/>
-                      <a:pt x="0" y="724579"/>
-                    </a:cubicBezTo>
-                    <a:cubicBezTo>
-                      <a:pt x="14524" y="626105"/>
-                      <a:pt x="9938" y="519727"/>
-                      <a:pt x="0" y="369535"/>
-                    </a:cubicBezTo>
-                    <a:cubicBezTo>
-                      <a:pt x="-9938" y="219343"/>
-                      <a:pt x="-4300" y="127766"/>
-                      <a:pt x="0" y="0"/>
-                    </a:cubicBezTo>
-                    <a:close/>
-                  </a:path>
-                  <a:path w="288733" h="724579" stroke="0" extrusionOk="0">
-                    <a:moveTo>
-                      <a:pt x="0" y="0"/>
-                    </a:moveTo>
-                    <a:cubicBezTo>
-                      <a:pt x="118948" y="-6802"/>
-                      <a:pt x="152104" y="5589"/>
-                      <a:pt x="288733" y="0"/>
-                    </a:cubicBezTo>
-                    <a:cubicBezTo>
-                      <a:pt x="273093" y="154242"/>
-                      <a:pt x="303490" y="217573"/>
-                      <a:pt x="288733" y="340552"/>
-                    </a:cubicBezTo>
-                    <a:cubicBezTo>
-                      <a:pt x="273976" y="463531"/>
-                      <a:pt x="271470" y="591083"/>
-                      <a:pt x="288733" y="724579"/>
-                    </a:cubicBezTo>
-                    <a:cubicBezTo>
-                      <a:pt x="214951" y="725610"/>
-                      <a:pt x="93809" y="726483"/>
-                      <a:pt x="0" y="724579"/>
-                    </a:cubicBezTo>
-                    <a:cubicBezTo>
-                      <a:pt x="10965" y="641166"/>
-                      <a:pt x="1162" y="496560"/>
-                      <a:pt x="0" y="369535"/>
-                    </a:cubicBezTo>
-                    <a:cubicBezTo>
-                      <a:pt x="-1162" y="242510"/>
-                      <a:pt x="10626" y="94308"/>
-                      <a:pt x="0" y="0"/>
-                    </a:cubicBezTo>
-                    <a:close/>
-                  </a:path>
-                </a:pathLst>
-              </a:custGeom>
-              <a:ln w="28575">
-                <a:solidFill>
-                  <a:srgbClr val="4E88C7"/>
-                </a:solidFill>
-                <a:prstDash val="lgDash"/>
-                <a:extLst>
-                  <a:ext uri="{C807C97D-BFC1-408E-A445-0C87EB9F89A2}">
-                    <ask:lineSketchStyleProps xmlns:ask="http://schemas.microsoft.com/office/drawing/2018/sketchyshapes" xmlns="" sd="1219033472">
-                      <a:prstGeom prst="rect">
-                        <a:avLst/>
-                      </a:prstGeom>
-                      <ask:type>
-                        <ask:lineSketchFreehand/>
-                      </ask:type>
-                    </ask:lineSketchStyleProps>
-                  </a:ext>
-                </a:extLst>
-              </a:ln>
-            </p:spPr>
-            <p:txBody>
-              <a:bodyPr wrap="square">
-                <a:spAutoFit/>
-              </a:bodyPr>
-              <a:lstStyle/>
-              <a:p>
-                <a:endParaRPr lang="en-US" sz="1000" b="1" dirty="0"/>
-              </a:p>
-            </p:txBody>
-          </p:sp>
-          <p:sp>
-            <p:nvSpPr>
-              <p:cNvPr id="105" name="Rectangle 104">
-                <a:extLst>
-                  <a:ext uri="{FF2B5EF4-FFF2-40B4-BE49-F238E27FC236}">
-                    <a16:creationId xmlns:a16="http://schemas.microsoft.com/office/drawing/2014/main" xmlns="" id="{8995A872-8181-4612-9B6B-035234D3CD46}"/>
-                  </a:ext>
-                </a:extLst>
-              </p:cNvPr>
-              <p:cNvSpPr/>
-              <p:nvPr/>
-            </p:nvSpPr>
-            <p:spPr>
-              <a:xfrm>
-                <a:off x="6202491" y="3429000"/>
-                <a:ext cx="266775" cy="1820416"/>
-              </a:xfrm>
-              <a:prstGeom prst="rect">
-                <a:avLst/>
-              </a:prstGeom>
-              <a:solidFill>
-                <a:schemeClr val="bg1"/>
-              </a:solidFill>
-              <a:ln>
-                <a:noFill/>
-              </a:ln>
-            </p:spPr>
-            <p:style>
-              <a:lnRef idx="2">
-                <a:schemeClr val="accent1">
-                  <a:shade val="50000"/>
-                </a:schemeClr>
-              </a:lnRef>
-              <a:fillRef idx="1">
-                <a:schemeClr val="accent1"/>
-              </a:fillRef>
-              <a:effectRef idx="0">
-                <a:schemeClr val="accent1"/>
-              </a:effectRef>
-              <a:fontRef idx="minor">
-                <a:schemeClr val="lt1"/>
-              </a:fontRef>
-            </p:style>
-            <p:txBody>
-              <a:bodyPr rtlCol="0" anchor="ctr"/>
-              <a:lstStyle/>
-              <a:p>
-                <a:pPr algn="ctr"/>
-                <a:endParaRPr lang="en-US"/>
-              </a:p>
-            </p:txBody>
-          </p:sp>
-        </p:grpSp>
-        <p:grpSp>
-          <p:nvGrpSpPr>
-            <p:cNvPr id="101" name="Group 100">
-              <a:extLst>
-                <a:ext uri="{FF2B5EF4-FFF2-40B4-BE49-F238E27FC236}">
-                  <a16:creationId xmlns:a16="http://schemas.microsoft.com/office/drawing/2014/main" xmlns="" id="{0890AFB8-AC4F-485B-AA41-F4421ACA065E}"/>
-                </a:ext>
-              </a:extLst>
-            </p:cNvPr>
-            <p:cNvGrpSpPr/>
-            <p:nvPr/>
-          </p:nvGrpSpPr>
-          <p:grpSpPr>
-            <a:xfrm>
-              <a:off x="6955269" y="3278242"/>
-              <a:ext cx="274998" cy="260137"/>
-              <a:chOff x="7078425" y="3164512"/>
-              <a:chExt cx="274998" cy="260137"/>
-            </a:xfrm>
-          </p:grpSpPr>
-          <p:sp>
-            <p:nvSpPr>
-              <p:cNvPr id="102" name="Isosceles Triangle 101">
-                <a:extLst>
-                  <a:ext uri="{FF2B5EF4-FFF2-40B4-BE49-F238E27FC236}">
-                    <a16:creationId xmlns:a16="http://schemas.microsoft.com/office/drawing/2014/main" xmlns="" id="{92A4DED4-5154-46DE-B9B9-A6006E74A997}"/>
-                  </a:ext>
-                </a:extLst>
-              </p:cNvPr>
-              <p:cNvSpPr/>
-              <p:nvPr/>
-            </p:nvSpPr>
-            <p:spPr>
-              <a:xfrm rot="5114528">
-                <a:off x="7113984" y="3182248"/>
-                <a:ext cx="257175" cy="221703"/>
-              </a:xfrm>
-              <a:prstGeom prst="triangle">
-                <a:avLst/>
-              </a:prstGeom>
-              <a:ln>
-                <a:noFill/>
-              </a:ln>
-            </p:spPr>
-            <p:style>
-              <a:lnRef idx="2">
-                <a:schemeClr val="accent1">
-                  <a:shade val="50000"/>
-                </a:schemeClr>
-              </a:lnRef>
-              <a:fillRef idx="1">
-                <a:schemeClr val="accent1"/>
-              </a:fillRef>
-              <a:effectRef idx="0">
-                <a:schemeClr val="accent1"/>
-              </a:effectRef>
-              <a:fontRef idx="minor">
-                <a:schemeClr val="lt1"/>
-              </a:fontRef>
-            </p:style>
-            <p:txBody>
-              <a:bodyPr rtlCol="0" anchor="ctr"/>
-              <a:lstStyle/>
-              <a:p>
-                <a:pPr algn="ctr"/>
-                <a:endParaRPr lang="en-US" dirty="0"/>
-              </a:p>
-            </p:txBody>
-          </p:sp>
-          <p:sp>
-            <p:nvSpPr>
-              <p:cNvPr id="103" name="Isosceles Triangle 102">
-                <a:extLst>
-                  <a:ext uri="{FF2B5EF4-FFF2-40B4-BE49-F238E27FC236}">
-                    <a16:creationId xmlns:a16="http://schemas.microsoft.com/office/drawing/2014/main" xmlns="" id="{F479989E-1751-45CA-B097-A6AFD0330053}"/>
-                  </a:ext>
-                </a:extLst>
-              </p:cNvPr>
-              <p:cNvSpPr/>
-              <p:nvPr/>
-            </p:nvSpPr>
-            <p:spPr>
-              <a:xfrm rot="5114528">
-                <a:off x="7060689" y="3185210"/>
-                <a:ext cx="257175" cy="221703"/>
-              </a:xfrm>
-              <a:prstGeom prst="triangle">
-                <a:avLst/>
-              </a:prstGeom>
-              <a:solidFill>
-                <a:schemeClr val="bg1"/>
-              </a:solidFill>
-              <a:ln>
-                <a:noFill/>
-              </a:ln>
-            </p:spPr>
-            <p:style>
-              <a:lnRef idx="2">
-                <a:schemeClr val="accent1">
-                  <a:shade val="50000"/>
-                </a:schemeClr>
-              </a:lnRef>
-              <a:fillRef idx="1">
-                <a:schemeClr val="accent1"/>
-              </a:fillRef>
-              <a:effectRef idx="0">
-                <a:schemeClr val="accent1"/>
-              </a:effectRef>
-              <a:fontRef idx="minor">
-                <a:schemeClr val="lt1"/>
-              </a:fontRef>
-            </p:style>
-            <p:txBody>
-              <a:bodyPr rtlCol="0" anchor="ctr"/>
-              <a:lstStyle/>
-              <a:p>
-                <a:pPr algn="ctr"/>
-                <a:endParaRPr lang="en-US" dirty="0"/>
-              </a:p>
-            </p:txBody>
-          </p:sp>
-        </p:grpSp>
-      </p:grpSp>
+          <a:prstGeom prst="rect">
+            <a:avLst/>
+          </a:prstGeom>
+          <a:solidFill>
+            <a:schemeClr val="bg1">
+              <a:lumMod val="50000"/>
+            </a:schemeClr>
+          </a:solidFill>
+          <a:ln w="28575">
+            <a:solidFill>
+              <a:schemeClr val="bg1"/>
+            </a:solidFill>
+          </a:ln>
+        </p:spPr>
+        <p:style>
+          <a:lnRef idx="2">
+            <a:schemeClr val="accent1">
+              <a:shade val="50000"/>
+            </a:schemeClr>
+          </a:lnRef>
+          <a:fillRef idx="1">
+            <a:schemeClr val="accent1"/>
+          </a:fillRef>
+          <a:effectRef idx="0">
+            <a:schemeClr val="accent1"/>
+          </a:effectRef>
+          <a:fontRef idx="minor">
+            <a:schemeClr val="lt1"/>
+          </a:fontRef>
+        </p:style>
+        <p:txBody>
+          <a:bodyPr rtlCol="0" anchor="ctr"/>
+          <a:lstStyle/>
+          <a:p>
+            <a:pPr algn="ctr"/>
+            <a:r>
+              <a:rPr lang="en-US" b="1" dirty="0" smtClean="0">
+                <a:latin typeface="Karla" pitchFamily="2" charset="0"/>
+              </a:rPr>
+              <a:t>Pre Trained Model</a:t>
+            </a:r>
+            <a:endParaRPr lang="en-US" b="1" dirty="0">
+              <a:latin typeface="Karla" pitchFamily="2" charset="0"/>
+            </a:endParaRPr>
+          </a:p>
+        </p:txBody>
+      </p:sp>
       <p:grpSp>
         <p:nvGrpSpPr>
-          <p:cNvPr id="86" name="Group 85">
+          <p:cNvPr id="74" name="Group 73">
             <a:extLst>
               <a:ext uri="{FF2B5EF4-FFF2-40B4-BE49-F238E27FC236}">
-                <a16:creationId xmlns:a16="http://schemas.microsoft.com/office/drawing/2014/main" xmlns="" id="{CEB19F83-A03A-463E-9436-F98419B65454}"/>
+                <a16:creationId xmlns:a16="http://schemas.microsoft.com/office/drawing/2014/main" xmlns="" id="{318D644E-43F5-4E6C-A640-528243A4A283}"/>
               </a:ext>
             </a:extLst>
           </p:cNvPr>
@@ -36244,18 +35055,18 @@
         </p:nvGrpSpPr>
         <p:grpSpPr>
           <a:xfrm rot="10800000">
-            <a:off x="10652745" y="1688716"/>
-            <a:ext cx="314556" cy="2509183"/>
-            <a:chOff x="6170106" y="3356504"/>
-            <a:chExt cx="299161" cy="1892912"/>
+            <a:off x="4557149" y="4136872"/>
+            <a:ext cx="259470" cy="1407375"/>
+            <a:chOff x="6181724" y="3429000"/>
+            <a:chExt cx="287543" cy="1820416"/>
           </a:xfrm>
         </p:grpSpPr>
         <p:sp>
           <p:nvSpPr>
-            <p:cNvPr id="90" name="Rectangle 89">
+            <p:cNvPr id="75" name="Rectangle 75">
               <a:extLst>
                 <a:ext uri="{FF2B5EF4-FFF2-40B4-BE49-F238E27FC236}">
-                  <a16:creationId xmlns:a16="http://schemas.microsoft.com/office/drawing/2014/main" xmlns="" id="{D3906825-B116-4538-8EBD-3DBD03DC49E0}"/>
+                  <a16:creationId xmlns:a16="http://schemas.microsoft.com/office/drawing/2014/main" xmlns="" id="{D568BBFA-BB36-4726-99B8-4B875E359436}"/>
                 </a:ext>
               </a:extLst>
             </p:cNvPr>
@@ -36264,34 +35075,26 @@
           </p:nvSpPr>
           <p:spPr>
             <a:xfrm flipV="1">
-              <a:off x="6170106" y="3356504"/>
-              <a:ext cx="155313" cy="1690113"/>
+              <a:off x="6181724" y="3507940"/>
+              <a:ext cx="235875" cy="1538677"/>
             </a:xfrm>
             <a:custGeom>
               <a:avLst/>
               <a:gdLst>
-                <a:gd name="connsiteX0" fmla="*/ 0 w 163305"/>
-                <a:gd name="connsiteY0" fmla="*/ 0 h 2240359"/>
-                <a:gd name="connsiteX1" fmla="*/ 163305 w 163305"/>
-                <a:gd name="connsiteY1" fmla="*/ 0 h 2240359"/>
-                <a:gd name="connsiteX2" fmla="*/ 163305 w 163305"/>
-                <a:gd name="connsiteY2" fmla="*/ 560090 h 2240359"/>
-                <a:gd name="connsiteX3" fmla="*/ 163305 w 163305"/>
-                <a:gd name="connsiteY3" fmla="*/ 1075372 h 2240359"/>
-                <a:gd name="connsiteX4" fmla="*/ 163305 w 163305"/>
-                <a:gd name="connsiteY4" fmla="*/ 1635462 h 2240359"/>
-                <a:gd name="connsiteX5" fmla="*/ 163305 w 163305"/>
-                <a:gd name="connsiteY5" fmla="*/ 2240359 h 2240359"/>
-                <a:gd name="connsiteX6" fmla="*/ 0 w 163305"/>
-                <a:gd name="connsiteY6" fmla="*/ 2240359 h 2240359"/>
-                <a:gd name="connsiteX7" fmla="*/ 0 w 163305"/>
-                <a:gd name="connsiteY7" fmla="*/ 1725076 h 2240359"/>
-                <a:gd name="connsiteX8" fmla="*/ 0 w 163305"/>
-                <a:gd name="connsiteY8" fmla="*/ 1142583 h 2240359"/>
-                <a:gd name="connsiteX9" fmla="*/ 0 w 163305"/>
-                <a:gd name="connsiteY9" fmla="*/ 604897 h 2240359"/>
-                <a:gd name="connsiteX10" fmla="*/ 0 w 163305"/>
-                <a:gd name="connsiteY10" fmla="*/ 0 h 2240359"/>
+                <a:gd name="connsiteX0" fmla="*/ 0 w 212846"/>
+                <a:gd name="connsiteY0" fmla="*/ 0 h 1189561"/>
+                <a:gd name="connsiteX1" fmla="*/ 212846 w 212846"/>
+                <a:gd name="connsiteY1" fmla="*/ 0 h 1189561"/>
+                <a:gd name="connsiteX2" fmla="*/ 212846 w 212846"/>
+                <a:gd name="connsiteY2" fmla="*/ 570989 h 1189561"/>
+                <a:gd name="connsiteX3" fmla="*/ 212846 w 212846"/>
+                <a:gd name="connsiteY3" fmla="*/ 1189561 h 1189561"/>
+                <a:gd name="connsiteX4" fmla="*/ 0 w 212846"/>
+                <a:gd name="connsiteY4" fmla="*/ 1189561 h 1189561"/>
+                <a:gd name="connsiteX5" fmla="*/ 0 w 212846"/>
+                <a:gd name="connsiteY5" fmla="*/ 606676 h 1189561"/>
+                <a:gd name="connsiteX6" fmla="*/ 0 w 212846"/>
+                <a:gd name="connsiteY6" fmla="*/ 0 h 1189561"/>
               </a:gdLst>
               <a:ahLst/>
               <a:cxnLst>
@@ -36316,129 +35119,77 @@
                 <a:cxn ang="0">
                   <a:pos x="connsiteX6" y="connsiteY6"/>
                 </a:cxn>
-                <a:cxn ang="0">
-                  <a:pos x="connsiteX7" y="connsiteY7"/>
-                </a:cxn>
-                <a:cxn ang="0">
-                  <a:pos x="connsiteX8" y="connsiteY8"/>
-                </a:cxn>
-                <a:cxn ang="0">
-                  <a:pos x="connsiteX9" y="connsiteY9"/>
-                </a:cxn>
-                <a:cxn ang="0">
-                  <a:pos x="connsiteX10" y="connsiteY10"/>
-                </a:cxn>
               </a:cxnLst>
               <a:rect l="l" t="t" r="r" b="b"/>
               <a:pathLst>
-                <a:path w="163305" h="2240359" fill="none" extrusionOk="0">
+                <a:path w="212846" h="1189561" fill="none" extrusionOk="0">
                   <a:moveTo>
                     <a:pt x="0" y="0"/>
                   </a:moveTo>
                   <a:cubicBezTo>
-                    <a:pt x="61333" y="-3481"/>
-                    <a:pt x="94166" y="205"/>
-                    <a:pt x="163305" y="0"/>
+                    <a:pt x="51525" y="-2042"/>
+                    <a:pt x="135418" y="-8400"/>
+                    <a:pt x="212846" y="0"/>
                   </a:cubicBezTo>
                   <a:cubicBezTo>
-                    <a:pt x="185805" y="188754"/>
-                    <a:pt x="156348" y="421288"/>
-                    <a:pt x="163305" y="560090"/>
+                    <a:pt x="239213" y="172786"/>
+                    <a:pt x="216951" y="352717"/>
+                    <a:pt x="212846" y="570989"/>
                   </a:cubicBezTo>
                   <a:cubicBezTo>
-                    <a:pt x="170263" y="698892"/>
-                    <a:pt x="172802" y="819254"/>
-                    <a:pt x="163305" y="1075372"/>
+                    <a:pt x="208741" y="789261"/>
+                    <a:pt x="186206" y="977243"/>
+                    <a:pt x="212846" y="1189561"/>
                   </a:cubicBezTo>
                   <a:cubicBezTo>
-                    <a:pt x="153808" y="1331490"/>
-                    <a:pt x="170394" y="1506205"/>
-                    <a:pt x="163305" y="1635462"/>
+                    <a:pt x="145452" y="1188268"/>
+                    <a:pt x="50292" y="1180311"/>
+                    <a:pt x="0" y="1189561"/>
                   </a:cubicBezTo>
                   <a:cubicBezTo>
-                    <a:pt x="156217" y="1764719"/>
-                    <a:pt x="166896" y="1963942"/>
-                    <a:pt x="163305" y="2240359"/>
+                    <a:pt x="3254" y="992246"/>
+                    <a:pt x="12482" y="796445"/>
+                    <a:pt x="0" y="606676"/>
                   </a:cubicBezTo>
                   <a:cubicBezTo>
-                    <a:pt x="115407" y="2243210"/>
-                    <a:pt x="49371" y="2245563"/>
-                    <a:pt x="0" y="2240359"/>
-                  </a:cubicBezTo>
-                  <a:cubicBezTo>
-                    <a:pt x="-15968" y="1987963"/>
-                    <a:pt x="-8934" y="1945744"/>
-                    <a:pt x="0" y="1725076"/>
-                  </a:cubicBezTo>
-                  <a:cubicBezTo>
-                    <a:pt x="8934" y="1504408"/>
-                    <a:pt x="-5085" y="1294628"/>
-                    <a:pt x="0" y="1142583"/>
-                  </a:cubicBezTo>
-                  <a:cubicBezTo>
-                    <a:pt x="5085" y="990538"/>
-                    <a:pt x="6661" y="853949"/>
-                    <a:pt x="0" y="604897"/>
-                  </a:cubicBezTo>
-                  <a:cubicBezTo>
-                    <a:pt x="-6661" y="355845"/>
-                    <a:pt x="-18368" y="293804"/>
+                    <a:pt x="-12482" y="416907"/>
+                    <a:pt x="20981" y="160112"/>
                     <a:pt x="0" y="0"/>
                   </a:cubicBezTo>
                   <a:close/>
                 </a:path>
-                <a:path w="163305" h="2240359" stroke="0" extrusionOk="0">
+                <a:path w="212846" h="1189561" stroke="0" extrusionOk="0">
                   <a:moveTo>
                     <a:pt x="0" y="0"/>
                   </a:moveTo>
                   <a:cubicBezTo>
-                    <a:pt x="40316" y="3603"/>
-                    <a:pt x="107405" y="-3291"/>
-                    <a:pt x="163305" y="0"/>
+                    <a:pt x="68422" y="4537"/>
+                    <a:pt x="116384" y="8908"/>
+                    <a:pt x="212846" y="0"/>
                   </a:cubicBezTo>
                   <a:cubicBezTo>
-                    <a:pt x="186772" y="134958"/>
-                    <a:pt x="157571" y="343873"/>
-                    <a:pt x="163305" y="492879"/>
+                    <a:pt x="234545" y="199038"/>
+                    <a:pt x="212954" y="337521"/>
+                    <a:pt x="212846" y="559094"/>
                   </a:cubicBezTo>
                   <a:cubicBezTo>
-                    <a:pt x="169039" y="641885"/>
-                    <a:pt x="173089" y="874307"/>
-                    <a:pt x="163305" y="1097776"/>
+                    <a:pt x="212738" y="780667"/>
+                    <a:pt x="197774" y="1051301"/>
+                    <a:pt x="212846" y="1189561"/>
                   </a:cubicBezTo>
                   <a:cubicBezTo>
-                    <a:pt x="153521" y="1321245"/>
-                    <a:pt x="137905" y="1527329"/>
-                    <a:pt x="163305" y="1657866"/>
+                    <a:pt x="138202" y="1185499"/>
+                    <a:pt x="55194" y="1183613"/>
+                    <a:pt x="0" y="1189561"/>
                   </a:cubicBezTo>
                   <a:cubicBezTo>
-                    <a:pt x="188706" y="1788403"/>
-                    <a:pt x="184304" y="2020232"/>
-                    <a:pt x="163305" y="2240359"/>
+                    <a:pt x="-1134" y="957870"/>
+                    <a:pt x="263" y="842510"/>
+                    <a:pt x="0" y="606676"/>
                   </a:cubicBezTo>
                   <a:cubicBezTo>
-                    <a:pt x="125816" y="2241432"/>
-                    <a:pt x="47733" y="2237694"/>
-                    <a:pt x="0" y="2240359"/>
-                  </a:cubicBezTo>
-                  <a:cubicBezTo>
-                    <a:pt x="8258" y="2114273"/>
-                    <a:pt x="24800" y="1963181"/>
-                    <a:pt x="0" y="1725076"/>
-                  </a:cubicBezTo>
-                  <a:cubicBezTo>
-                    <a:pt x="-24800" y="1486971"/>
-                    <a:pt x="21738" y="1413960"/>
-                    <a:pt x="0" y="1164987"/>
-                  </a:cubicBezTo>
-                  <a:cubicBezTo>
-                    <a:pt x="-21738" y="916014"/>
-                    <a:pt x="-9277" y="841061"/>
-                    <a:pt x="0" y="560090"/>
-                  </a:cubicBezTo>
-                  <a:cubicBezTo>
-                    <a:pt x="9277" y="279119"/>
-                    <a:pt x="-21627" y="241402"/>
+                    <a:pt x="-263" y="370843"/>
+                    <a:pt x="-2009" y="272946"/>
                     <a:pt x="0" y="0"/>
                   </a:cubicBezTo>
                   <a:close/>
@@ -36476,10 +35227,10 @@
         </p:sp>
         <p:sp>
           <p:nvSpPr>
-            <p:cNvPr id="91" name="Rectangle 90">
+            <p:cNvPr id="85" name="Rectangle 84">
               <a:extLst>
                 <a:ext uri="{FF2B5EF4-FFF2-40B4-BE49-F238E27FC236}">
-                  <a16:creationId xmlns:a16="http://schemas.microsoft.com/office/drawing/2014/main" xmlns="" id="{FA443B7B-0BB1-46D4-9852-BA523820F5D5}"/>
+                  <a16:creationId xmlns:a16="http://schemas.microsoft.com/office/drawing/2014/main" xmlns="" id="{9038D90F-AF60-4EC7-BDC7-42EE5FE04F20}"/>
                 </a:ext>
               </a:extLst>
             </p:cNvPr>
@@ -36527,865 +35278,109 @@
           </p:txBody>
         </p:sp>
       </p:grpSp>
-      <p:grpSp>
-        <p:nvGrpSpPr>
-          <p:cNvPr id="106" name="Group 105">
+      <p:sp>
+        <p:nvSpPr>
+          <p:cNvPr id="113" name="Rectangle 112">
             <a:extLst>
               <a:ext uri="{FF2B5EF4-FFF2-40B4-BE49-F238E27FC236}">
-                <a16:creationId xmlns:a16="http://schemas.microsoft.com/office/drawing/2014/main" xmlns="" id="{3D2E6821-A8E7-4B9F-AB38-78D06A87C8B3}"/>
+                <a16:creationId xmlns:a16="http://schemas.microsoft.com/office/drawing/2014/main" xmlns="" id="{B4887982-9C9C-43B9-AE2B-DE2A2A5D434B}"/>
               </a:ext>
             </a:extLst>
           </p:cNvPr>
-          <p:cNvGrpSpPr/>
+          <p:cNvSpPr/>
           <p:nvPr/>
-        </p:nvGrpSpPr>
-        <p:grpSpPr>
-          <a:xfrm rot="10800000">
-            <a:off x="8520503" y="3920608"/>
-            <a:ext cx="2446800" cy="454849"/>
-            <a:chOff x="5235451" y="3278242"/>
-            <a:chExt cx="1994816" cy="477457"/>
-          </a:xfrm>
-        </p:grpSpPr>
-        <p:grpSp>
-          <p:nvGrpSpPr>
-            <p:cNvPr id="107" name="Group 106">
-              <a:extLst>
-                <a:ext uri="{FF2B5EF4-FFF2-40B4-BE49-F238E27FC236}">
-                  <a16:creationId xmlns:a16="http://schemas.microsoft.com/office/drawing/2014/main" xmlns="" id="{612FFCBA-D604-4786-9D7F-74721D9592EB}"/>
-                </a:ext>
-              </a:extLst>
-            </p:cNvPr>
-            <p:cNvGrpSpPr/>
-            <p:nvPr/>
-          </p:nvGrpSpPr>
-          <p:grpSpPr>
-            <a:xfrm rot="5400000">
-              <a:off x="5995302" y="2648450"/>
-              <a:ext cx="347398" cy="1867099"/>
-              <a:chOff x="6181724" y="3429000"/>
-              <a:chExt cx="287543" cy="1651591"/>
-            </a:xfrm>
-          </p:grpSpPr>
-          <p:sp>
-            <p:nvSpPr>
-              <p:cNvPr id="111" name="Rectangle 110">
-                <a:extLst>
-                  <a:ext uri="{FF2B5EF4-FFF2-40B4-BE49-F238E27FC236}">
-                    <a16:creationId xmlns:a16="http://schemas.microsoft.com/office/drawing/2014/main" xmlns="" id="{2984FD6C-67C3-46BD-B22C-0DFD724F0269}"/>
-                  </a:ext>
-                </a:extLst>
-              </p:cNvPr>
-              <p:cNvSpPr/>
-              <p:nvPr/>
-            </p:nvSpPr>
-            <p:spPr>
-              <a:xfrm flipV="1">
-                <a:off x="6181724" y="3507940"/>
-                <a:ext cx="235875" cy="1538677"/>
-              </a:xfrm>
-              <a:custGeom>
-                <a:avLst/>
-                <a:gdLst>
-                  <a:gd name="connsiteX0" fmla="*/ 0 w 271481"/>
-                  <a:gd name="connsiteY0" fmla="*/ 0 h 2133575"/>
-                  <a:gd name="connsiteX1" fmla="*/ 271481 w 271481"/>
-                  <a:gd name="connsiteY1" fmla="*/ 0 h 2133575"/>
-                  <a:gd name="connsiteX2" fmla="*/ 271481 w 271481"/>
-                  <a:gd name="connsiteY2" fmla="*/ 533394 h 2133575"/>
-                  <a:gd name="connsiteX3" fmla="*/ 271481 w 271481"/>
-                  <a:gd name="connsiteY3" fmla="*/ 1024116 h 2133575"/>
-                  <a:gd name="connsiteX4" fmla="*/ 271481 w 271481"/>
-                  <a:gd name="connsiteY4" fmla="*/ 1557510 h 2133575"/>
-                  <a:gd name="connsiteX5" fmla="*/ 271481 w 271481"/>
-                  <a:gd name="connsiteY5" fmla="*/ 2133575 h 2133575"/>
-                  <a:gd name="connsiteX6" fmla="*/ 0 w 271481"/>
-                  <a:gd name="connsiteY6" fmla="*/ 2133575 h 2133575"/>
-                  <a:gd name="connsiteX7" fmla="*/ 0 w 271481"/>
-                  <a:gd name="connsiteY7" fmla="*/ 1642853 h 2133575"/>
-                  <a:gd name="connsiteX8" fmla="*/ 0 w 271481"/>
-                  <a:gd name="connsiteY8" fmla="*/ 1088123 h 2133575"/>
-                  <a:gd name="connsiteX9" fmla="*/ 0 w 271481"/>
-                  <a:gd name="connsiteY9" fmla="*/ 576065 h 2133575"/>
-                  <a:gd name="connsiteX10" fmla="*/ 0 w 271481"/>
-                  <a:gd name="connsiteY10" fmla="*/ 0 h 2133575"/>
-                </a:gdLst>
-                <a:ahLst/>
-                <a:cxnLst>
-                  <a:cxn ang="0">
-                    <a:pos x="connsiteX0" y="connsiteY0"/>
-                  </a:cxn>
-                  <a:cxn ang="0">
-                    <a:pos x="connsiteX1" y="connsiteY1"/>
-                  </a:cxn>
-                  <a:cxn ang="0">
-                    <a:pos x="connsiteX2" y="connsiteY2"/>
-                  </a:cxn>
-                  <a:cxn ang="0">
-                    <a:pos x="connsiteX3" y="connsiteY3"/>
-                  </a:cxn>
-                  <a:cxn ang="0">
-                    <a:pos x="connsiteX4" y="connsiteY4"/>
-                  </a:cxn>
-                  <a:cxn ang="0">
-                    <a:pos x="connsiteX5" y="connsiteY5"/>
-                  </a:cxn>
-                  <a:cxn ang="0">
-                    <a:pos x="connsiteX6" y="connsiteY6"/>
-                  </a:cxn>
-                  <a:cxn ang="0">
-                    <a:pos x="connsiteX7" y="connsiteY7"/>
-                  </a:cxn>
-                  <a:cxn ang="0">
-                    <a:pos x="connsiteX8" y="connsiteY8"/>
-                  </a:cxn>
-                  <a:cxn ang="0">
-                    <a:pos x="connsiteX9" y="connsiteY9"/>
-                  </a:cxn>
-                  <a:cxn ang="0">
-                    <a:pos x="connsiteX10" y="connsiteY10"/>
-                  </a:cxn>
-                </a:cxnLst>
-                <a:rect l="l" t="t" r="r" b="b"/>
-                <a:pathLst>
-                  <a:path w="271481" h="2133575" fill="none" extrusionOk="0">
-                    <a:moveTo>
-                      <a:pt x="0" y="0"/>
-                    </a:moveTo>
-                    <a:cubicBezTo>
-                      <a:pt x="63325" y="-6481"/>
-                      <a:pt x="168888" y="-8742"/>
-                      <a:pt x="271481" y="0"/>
-                    </a:cubicBezTo>
-                    <a:cubicBezTo>
-                      <a:pt x="266745" y="168254"/>
-                      <a:pt x="259968" y="374049"/>
-                      <a:pt x="271481" y="533394"/>
-                    </a:cubicBezTo>
-                    <a:cubicBezTo>
-                      <a:pt x="282994" y="692739"/>
-                      <a:pt x="263660" y="872802"/>
-                      <a:pt x="271481" y="1024116"/>
-                    </a:cubicBezTo>
-                    <a:cubicBezTo>
-                      <a:pt x="279302" y="1175430"/>
-                      <a:pt x="246354" y="1366435"/>
-                      <a:pt x="271481" y="1557510"/>
-                    </a:cubicBezTo>
-                    <a:cubicBezTo>
-                      <a:pt x="296608" y="1748585"/>
-                      <a:pt x="246252" y="2013636"/>
-                      <a:pt x="271481" y="2133575"/>
-                    </a:cubicBezTo>
-                    <a:cubicBezTo>
-                      <a:pt x="195385" y="2138124"/>
-                      <a:pt x="112981" y="2134651"/>
-                      <a:pt x="0" y="2133575"/>
-                    </a:cubicBezTo>
-                    <a:cubicBezTo>
-                      <a:pt x="4389" y="2028806"/>
-                      <a:pt x="-798" y="1759793"/>
-                      <a:pt x="0" y="1642853"/>
-                    </a:cubicBezTo>
-                    <a:cubicBezTo>
-                      <a:pt x="798" y="1525913"/>
-                      <a:pt x="23045" y="1271520"/>
-                      <a:pt x="0" y="1088123"/>
-                    </a:cubicBezTo>
-                    <a:cubicBezTo>
-                      <a:pt x="-23045" y="904726"/>
-                      <a:pt x="17177" y="716270"/>
-                      <a:pt x="0" y="576065"/>
-                    </a:cubicBezTo>
-                    <a:cubicBezTo>
-                      <a:pt x="-17177" y="435860"/>
-                      <a:pt x="22585" y="217835"/>
-                      <a:pt x="0" y="0"/>
-                    </a:cubicBezTo>
-                    <a:close/>
-                  </a:path>
-                  <a:path w="271481" h="2133575" stroke="0" extrusionOk="0">
-                    <a:moveTo>
-                      <a:pt x="0" y="0"/>
-                    </a:moveTo>
-                    <a:cubicBezTo>
-                      <a:pt x="60945" y="-9986"/>
-                      <a:pt x="163642" y="-6522"/>
-                      <a:pt x="271481" y="0"/>
-                    </a:cubicBezTo>
-                    <a:cubicBezTo>
-                      <a:pt x="251757" y="184737"/>
-                      <a:pt x="250557" y="245612"/>
-                      <a:pt x="271481" y="469387"/>
-                    </a:cubicBezTo>
-                    <a:cubicBezTo>
-                      <a:pt x="292405" y="693162"/>
-                      <a:pt x="286476" y="891869"/>
-                      <a:pt x="271481" y="1045452"/>
-                    </a:cubicBezTo>
-                    <a:cubicBezTo>
-                      <a:pt x="256486" y="1199036"/>
-                      <a:pt x="263462" y="1312168"/>
-                      <a:pt x="271481" y="1578846"/>
-                    </a:cubicBezTo>
-                    <a:cubicBezTo>
-                      <a:pt x="279500" y="1845524"/>
-                      <a:pt x="248220" y="1937274"/>
-                      <a:pt x="271481" y="2133575"/>
-                    </a:cubicBezTo>
-                    <a:cubicBezTo>
-                      <a:pt x="173732" y="2127414"/>
-                      <a:pt x="121520" y="2146342"/>
-                      <a:pt x="0" y="2133575"/>
-                    </a:cubicBezTo>
-                    <a:cubicBezTo>
-                      <a:pt x="-20155" y="2003252"/>
-                      <a:pt x="9377" y="1879143"/>
-                      <a:pt x="0" y="1642853"/>
-                    </a:cubicBezTo>
-                    <a:cubicBezTo>
-                      <a:pt x="-9377" y="1406563"/>
-                      <a:pt x="-12890" y="1248605"/>
-                      <a:pt x="0" y="1109459"/>
-                    </a:cubicBezTo>
-                    <a:cubicBezTo>
-                      <a:pt x="12890" y="970313"/>
-                      <a:pt x="25203" y="739074"/>
-                      <a:pt x="0" y="533394"/>
-                    </a:cubicBezTo>
-                    <a:cubicBezTo>
-                      <a:pt x="-25203" y="327714"/>
-                      <a:pt x="16844" y="119320"/>
-                      <a:pt x="0" y="0"/>
-                    </a:cubicBezTo>
-                    <a:close/>
-                  </a:path>
-                </a:pathLst>
-              </a:custGeom>
-              <a:ln w="28575">
-                <a:solidFill>
-                  <a:srgbClr val="4E88C7"/>
-                </a:solidFill>
-                <a:prstDash val="lgDash"/>
-                <a:extLst>
-                  <a:ext uri="{C807C97D-BFC1-408E-A445-0C87EB9F89A2}">
-                    <ask:lineSketchStyleProps xmlns:ask="http://schemas.microsoft.com/office/drawing/2018/sketchyshapes" xmlns="" sd="1219033472">
-                      <a:prstGeom prst="rect">
-                        <a:avLst/>
-                      </a:prstGeom>
-                      <ask:type>
-                        <ask:lineSketchFreehand/>
-                      </ask:type>
-                    </ask:lineSketchStyleProps>
-                  </a:ext>
-                </a:extLst>
-              </a:ln>
-            </p:spPr>
-            <p:txBody>
-              <a:bodyPr wrap="square">
-                <a:spAutoFit/>
-              </a:bodyPr>
-              <a:lstStyle/>
-              <a:p>
-                <a:endParaRPr lang="en-US" sz="1000" b="1" dirty="0"/>
-              </a:p>
-            </p:txBody>
-          </p:sp>
-          <p:sp>
-            <p:nvSpPr>
-              <p:cNvPr id="112" name="Rectangle 111">
-                <a:extLst>
-                  <a:ext uri="{FF2B5EF4-FFF2-40B4-BE49-F238E27FC236}">
-                    <a16:creationId xmlns:a16="http://schemas.microsoft.com/office/drawing/2014/main" xmlns="" id="{69102E02-570E-4F73-959A-E5CD67ED9A30}"/>
-                  </a:ext>
-                </a:extLst>
-              </p:cNvPr>
-              <p:cNvSpPr/>
-              <p:nvPr/>
-            </p:nvSpPr>
-            <p:spPr>
-              <a:xfrm>
-                <a:off x="6228345" y="3429000"/>
-                <a:ext cx="240922" cy="1651591"/>
-              </a:xfrm>
-              <a:prstGeom prst="rect">
-                <a:avLst/>
-              </a:prstGeom>
-              <a:solidFill>
-                <a:schemeClr val="bg1"/>
-              </a:solidFill>
-              <a:ln>
-                <a:noFill/>
-              </a:ln>
-            </p:spPr>
-            <p:style>
-              <a:lnRef idx="2">
-                <a:schemeClr val="accent1">
-                  <a:shade val="50000"/>
-                </a:schemeClr>
-              </a:lnRef>
-              <a:fillRef idx="1">
-                <a:schemeClr val="accent1"/>
-              </a:fillRef>
-              <a:effectRef idx="0">
-                <a:schemeClr val="accent1"/>
-              </a:effectRef>
-              <a:fontRef idx="minor">
-                <a:schemeClr val="lt1"/>
-              </a:fontRef>
-            </p:style>
-            <p:txBody>
-              <a:bodyPr rtlCol="0" anchor="ctr"/>
-              <a:lstStyle/>
-              <a:p>
-                <a:pPr algn="ctr"/>
-                <a:endParaRPr lang="en-US"/>
-              </a:p>
-            </p:txBody>
-          </p:sp>
-        </p:grpSp>
-        <p:grpSp>
-          <p:nvGrpSpPr>
-            <p:cNvPr id="108" name="Group 107">
-              <a:extLst>
-                <a:ext uri="{FF2B5EF4-FFF2-40B4-BE49-F238E27FC236}">
-                  <a16:creationId xmlns:a16="http://schemas.microsoft.com/office/drawing/2014/main" xmlns="" id="{DC529F76-FE09-45F3-8389-0AAE3332F4A8}"/>
-                </a:ext>
-              </a:extLst>
-            </p:cNvPr>
-            <p:cNvGrpSpPr/>
-            <p:nvPr/>
-          </p:nvGrpSpPr>
-          <p:grpSpPr>
-            <a:xfrm>
-              <a:off x="6955269" y="3278242"/>
-              <a:ext cx="274998" cy="260137"/>
-              <a:chOff x="7078425" y="3164512"/>
-              <a:chExt cx="274998" cy="260137"/>
-            </a:xfrm>
-          </p:grpSpPr>
-          <p:sp>
-            <p:nvSpPr>
-              <p:cNvPr id="109" name="Isosceles Triangle 108">
-                <a:extLst>
-                  <a:ext uri="{FF2B5EF4-FFF2-40B4-BE49-F238E27FC236}">
-                    <a16:creationId xmlns:a16="http://schemas.microsoft.com/office/drawing/2014/main" xmlns="" id="{EFE08C3B-3685-4662-BB03-0264F4D1FDD9}"/>
-                  </a:ext>
-                </a:extLst>
-              </p:cNvPr>
-              <p:cNvSpPr/>
-              <p:nvPr/>
-            </p:nvSpPr>
-            <p:spPr>
-              <a:xfrm rot="5114528">
-                <a:off x="7113984" y="3182248"/>
-                <a:ext cx="257175" cy="221703"/>
-              </a:xfrm>
-              <a:prstGeom prst="triangle">
-                <a:avLst/>
-              </a:prstGeom>
-              <a:ln>
-                <a:noFill/>
-              </a:ln>
-            </p:spPr>
-            <p:style>
-              <a:lnRef idx="2">
-                <a:schemeClr val="accent1">
-                  <a:shade val="50000"/>
-                </a:schemeClr>
-              </a:lnRef>
-              <a:fillRef idx="1">
-                <a:schemeClr val="accent1"/>
-              </a:fillRef>
-              <a:effectRef idx="0">
-                <a:schemeClr val="accent1"/>
-              </a:effectRef>
-              <a:fontRef idx="minor">
-                <a:schemeClr val="lt1"/>
-              </a:fontRef>
-            </p:style>
-            <p:txBody>
-              <a:bodyPr rtlCol="0" anchor="ctr"/>
-              <a:lstStyle/>
-              <a:p>
-                <a:pPr algn="ctr"/>
-                <a:endParaRPr lang="en-US" dirty="0"/>
-              </a:p>
-            </p:txBody>
-          </p:sp>
-          <p:sp>
-            <p:nvSpPr>
-              <p:cNvPr id="110" name="Isosceles Triangle 109">
-                <a:extLst>
-                  <a:ext uri="{FF2B5EF4-FFF2-40B4-BE49-F238E27FC236}">
-                    <a16:creationId xmlns:a16="http://schemas.microsoft.com/office/drawing/2014/main" xmlns="" id="{ACAFEFD8-0FE3-4330-AB52-0F48E996A0D2}"/>
-                  </a:ext>
-                </a:extLst>
-              </p:cNvPr>
-              <p:cNvSpPr/>
-              <p:nvPr/>
-            </p:nvSpPr>
-            <p:spPr>
-              <a:xfrm rot="5114528">
-                <a:off x="7060689" y="3185210"/>
-                <a:ext cx="257175" cy="221703"/>
-              </a:xfrm>
-              <a:prstGeom prst="triangle">
-                <a:avLst/>
-              </a:prstGeom>
-              <a:solidFill>
-                <a:schemeClr val="bg1"/>
-              </a:solidFill>
-              <a:ln>
-                <a:noFill/>
-              </a:ln>
-            </p:spPr>
-            <p:style>
-              <a:lnRef idx="2">
-                <a:schemeClr val="accent1">
-                  <a:shade val="50000"/>
-                </a:schemeClr>
-              </a:lnRef>
-              <a:fillRef idx="1">
-                <a:schemeClr val="accent1"/>
-              </a:fillRef>
-              <a:effectRef idx="0">
-                <a:schemeClr val="accent1"/>
-              </a:effectRef>
-              <a:fontRef idx="minor">
-                <a:schemeClr val="lt1"/>
-              </a:fontRef>
-            </p:style>
-            <p:txBody>
-              <a:bodyPr rtlCol="0" anchor="ctr"/>
-              <a:lstStyle/>
-              <a:p>
-                <a:pPr algn="ctr"/>
-                <a:endParaRPr lang="en-US" dirty="0"/>
-              </a:p>
-            </p:txBody>
-          </p:sp>
-        </p:grpSp>
-      </p:grpSp>
-      <p:pic>
-        <p:nvPicPr>
-          <p:cNvPr id="3" name="Graphic 2" descr="Presentation with bar chart RTL">
-            <a:extLst>
-              <a:ext uri="{FF2B5EF4-FFF2-40B4-BE49-F238E27FC236}">
-                <a16:creationId xmlns:a16="http://schemas.microsoft.com/office/drawing/2014/main" xmlns="" id="{FCC6EF65-A008-49BA-8099-EEBF0AB3C0F8}"/>
-              </a:ext>
-            </a:extLst>
-          </p:cNvPr>
-          <p:cNvPicPr>
-            <a:picLocks noChangeAspect="1"/>
-          </p:cNvPicPr>
-          <p:nvPr/>
-        </p:nvPicPr>
-        <p:blipFill>
-          <a:blip r:embed="rId6">
-            <a:extLst>
-              <a:ext uri="{28A0092B-C50C-407E-A947-70E740481C1C}">
-                <a14:useLocalDpi xmlns:a14="http://schemas.microsoft.com/office/drawing/2010/main" val="0"/>
-              </a:ext>
-              <a:ext uri="{96DAC541-7B7A-43D3-8B79-37D633B846F1}">
-                <asvg:svgBlip xmlns:asvg="http://schemas.microsoft.com/office/drawing/2016/SVG/main" xmlns="" r:embed="rId7"/>
-              </a:ext>
-            </a:extLst>
-          </a:blip>
-          <a:stretch>
-            <a:fillRect/>
-          </a:stretch>
-        </p:blipFill>
+        </p:nvSpPr>
         <p:spPr>
           <a:xfrm>
-            <a:off x="7224949" y="5436067"/>
-            <a:ext cx="1208214" cy="1322535"/>
+            <a:off x="8666562" y="3893929"/>
+            <a:ext cx="3223780" cy="2800767"/>
           </a:xfrm>
           <a:prstGeom prst="rect">
             <a:avLst/>
           </a:prstGeom>
         </p:spPr>
-      </p:pic>
-      <p:grpSp>
-        <p:nvGrpSpPr>
-          <p:cNvPr id="122" name="Group 121">
-            <a:extLst>
-              <a:ext uri="{FF2B5EF4-FFF2-40B4-BE49-F238E27FC236}">
-                <a16:creationId xmlns:a16="http://schemas.microsoft.com/office/drawing/2014/main" xmlns="" id="{E82B7EE6-A966-49BC-A5C8-30DFF369F62F}"/>
-              </a:ext>
-            </a:extLst>
-          </p:cNvPr>
-          <p:cNvGrpSpPr/>
-          <p:nvPr/>
-        </p:nvGrpSpPr>
-        <p:grpSpPr>
-          <a:xfrm rot="5400000">
-            <a:off x="7230268" y="4811805"/>
-            <a:ext cx="991608" cy="454852"/>
-            <a:chOff x="5044597" y="3278242"/>
-            <a:chExt cx="2185670" cy="477460"/>
-          </a:xfrm>
-        </p:grpSpPr>
-        <p:grpSp>
-          <p:nvGrpSpPr>
-            <p:cNvPr id="123" name="Group 122">
-              <a:extLst>
-                <a:ext uri="{FF2B5EF4-FFF2-40B4-BE49-F238E27FC236}">
-                  <a16:creationId xmlns:a16="http://schemas.microsoft.com/office/drawing/2014/main" xmlns="" id="{0FB9DAFA-D149-4AD4-BD7E-D0FEF20A3E69}"/>
-                </a:ext>
-              </a:extLst>
-            </p:cNvPr>
-            <p:cNvGrpSpPr/>
-            <p:nvPr/>
-          </p:nvGrpSpPr>
-          <p:grpSpPr>
-            <a:xfrm rot="5400000">
-              <a:off x="5899875" y="2553027"/>
-              <a:ext cx="347397" cy="2057953"/>
-              <a:chOff x="6181724" y="3429000"/>
-              <a:chExt cx="287542" cy="1820416"/>
-            </a:xfrm>
-          </p:grpSpPr>
-          <p:sp>
-            <p:nvSpPr>
-              <p:cNvPr id="127" name="Rectangle 126">
-                <a:extLst>
-                  <a:ext uri="{FF2B5EF4-FFF2-40B4-BE49-F238E27FC236}">
-                    <a16:creationId xmlns:a16="http://schemas.microsoft.com/office/drawing/2014/main" xmlns="" id="{FB657BC7-7677-4D49-B942-B00BBE73329D}"/>
-                  </a:ext>
-                </a:extLst>
-              </p:cNvPr>
-              <p:cNvSpPr/>
-              <p:nvPr/>
-            </p:nvSpPr>
-            <p:spPr>
-              <a:xfrm flipV="1">
-                <a:off x="6181724" y="3507940"/>
-                <a:ext cx="235875" cy="1538677"/>
-              </a:xfrm>
-              <a:custGeom>
-                <a:avLst/>
-                <a:gdLst>
-                  <a:gd name="connsiteX0" fmla="*/ 0 w 271482"/>
-                  <a:gd name="connsiteY0" fmla="*/ 0 h 789165"/>
-                  <a:gd name="connsiteX1" fmla="*/ 271482 w 271482"/>
-                  <a:gd name="connsiteY1" fmla="*/ 0 h 789165"/>
-                  <a:gd name="connsiteX2" fmla="*/ 271482 w 271482"/>
-                  <a:gd name="connsiteY2" fmla="*/ 378799 h 789165"/>
-                  <a:gd name="connsiteX3" fmla="*/ 271482 w 271482"/>
-                  <a:gd name="connsiteY3" fmla="*/ 789165 h 789165"/>
-                  <a:gd name="connsiteX4" fmla="*/ 0 w 271482"/>
-                  <a:gd name="connsiteY4" fmla="*/ 789165 h 789165"/>
-                  <a:gd name="connsiteX5" fmla="*/ 0 w 271482"/>
-                  <a:gd name="connsiteY5" fmla="*/ 402474 h 789165"/>
-                  <a:gd name="connsiteX6" fmla="*/ 0 w 271482"/>
-                  <a:gd name="connsiteY6" fmla="*/ 0 h 789165"/>
-                </a:gdLst>
-                <a:ahLst/>
-                <a:cxnLst>
-                  <a:cxn ang="0">
-                    <a:pos x="connsiteX0" y="connsiteY0"/>
-                  </a:cxn>
-                  <a:cxn ang="0">
-                    <a:pos x="connsiteX1" y="connsiteY1"/>
-                  </a:cxn>
-                  <a:cxn ang="0">
-                    <a:pos x="connsiteX2" y="connsiteY2"/>
-                  </a:cxn>
-                  <a:cxn ang="0">
-                    <a:pos x="connsiteX3" y="connsiteY3"/>
-                  </a:cxn>
-                  <a:cxn ang="0">
-                    <a:pos x="connsiteX4" y="connsiteY4"/>
-                  </a:cxn>
-                  <a:cxn ang="0">
-                    <a:pos x="connsiteX5" y="connsiteY5"/>
-                  </a:cxn>
-                  <a:cxn ang="0">
-                    <a:pos x="connsiteX6" y="connsiteY6"/>
-                  </a:cxn>
-                </a:cxnLst>
-                <a:rect l="l" t="t" r="r" b="b"/>
-                <a:pathLst>
-                  <a:path w="271482" h="789165" fill="none" extrusionOk="0">
-                    <a:moveTo>
-                      <a:pt x="0" y="0"/>
-                    </a:moveTo>
-                    <a:cubicBezTo>
-                      <a:pt x="90510" y="8326"/>
-                      <a:pt x="165138" y="7123"/>
-                      <a:pt x="271482" y="0"/>
-                    </a:cubicBezTo>
-                    <a:cubicBezTo>
-                      <a:pt x="255599" y="99460"/>
-                      <a:pt x="274612" y="277907"/>
-                      <a:pt x="271482" y="378799"/>
-                    </a:cubicBezTo>
-                    <a:cubicBezTo>
-                      <a:pt x="268352" y="479691"/>
-                      <a:pt x="290992" y="663694"/>
-                      <a:pt x="271482" y="789165"/>
-                    </a:cubicBezTo>
-                    <a:cubicBezTo>
-                      <a:pt x="182458" y="800449"/>
-                      <a:pt x="103135" y="782562"/>
-                      <a:pt x="0" y="789165"/>
-                    </a:cubicBezTo>
-                    <a:cubicBezTo>
-                      <a:pt x="-6139" y="629008"/>
-                      <a:pt x="15256" y="505174"/>
-                      <a:pt x="0" y="402474"/>
-                    </a:cubicBezTo>
-                    <a:cubicBezTo>
-                      <a:pt x="-15256" y="299774"/>
-                      <a:pt x="13974" y="158401"/>
-                      <a:pt x="0" y="0"/>
-                    </a:cubicBezTo>
-                    <a:close/>
-                  </a:path>
-                  <a:path w="271482" h="789165" stroke="0" extrusionOk="0">
-                    <a:moveTo>
-                      <a:pt x="0" y="0"/>
-                    </a:moveTo>
-                    <a:cubicBezTo>
-                      <a:pt x="56349" y="11714"/>
-                      <a:pt x="157681" y="10802"/>
-                      <a:pt x="271482" y="0"/>
-                    </a:cubicBezTo>
-                    <a:cubicBezTo>
-                      <a:pt x="289158" y="158374"/>
-                      <a:pt x="274853" y="286862"/>
-                      <a:pt x="271482" y="370908"/>
-                    </a:cubicBezTo>
-                    <a:cubicBezTo>
-                      <a:pt x="268111" y="454954"/>
-                      <a:pt x="276546" y="641199"/>
-                      <a:pt x="271482" y="789165"/>
-                    </a:cubicBezTo>
-                    <a:cubicBezTo>
-                      <a:pt x="171045" y="794800"/>
-                      <a:pt x="77126" y="779515"/>
-                      <a:pt x="0" y="789165"/>
-                    </a:cubicBezTo>
-                    <a:cubicBezTo>
-                      <a:pt x="-16874" y="626086"/>
-                      <a:pt x="3307" y="551160"/>
-                      <a:pt x="0" y="402474"/>
-                    </a:cubicBezTo>
-                    <a:cubicBezTo>
-                      <a:pt x="-3307" y="253788"/>
-                      <a:pt x="-10985" y="151545"/>
-                      <a:pt x="0" y="0"/>
-                    </a:cubicBezTo>
-                    <a:close/>
-                  </a:path>
-                </a:pathLst>
-              </a:custGeom>
-              <a:ln w="28575">
-                <a:solidFill>
-                  <a:srgbClr val="4E88C7"/>
-                </a:solidFill>
-                <a:prstDash val="lgDash"/>
-                <a:extLst>
-                  <a:ext uri="{C807C97D-BFC1-408E-A445-0C87EB9F89A2}">
-                    <ask:lineSketchStyleProps xmlns:ask="http://schemas.microsoft.com/office/drawing/2018/sketchyshapes" xmlns="" sd="1219033472">
-                      <a:prstGeom prst="rect">
-                        <a:avLst/>
-                      </a:prstGeom>
-                      <ask:type>
-                        <ask:lineSketchFreehand/>
-                      </ask:type>
-                    </ask:lineSketchStyleProps>
-                  </a:ext>
-                </a:extLst>
-              </a:ln>
-            </p:spPr>
-            <p:txBody>
-              <a:bodyPr wrap="square">
-                <a:spAutoFit/>
-              </a:bodyPr>
-              <a:lstStyle/>
-              <a:p>
-                <a:endParaRPr lang="en-US" sz="1000" b="1" dirty="0"/>
-              </a:p>
-            </p:txBody>
-          </p:sp>
-          <p:sp>
-            <p:nvSpPr>
-              <p:cNvPr id="128" name="Rectangle 127">
-                <a:extLst>
-                  <a:ext uri="{FF2B5EF4-FFF2-40B4-BE49-F238E27FC236}">
-                    <a16:creationId xmlns:a16="http://schemas.microsoft.com/office/drawing/2014/main" xmlns="" id="{464D1FD7-8259-4304-A870-0DA4A2FB79D1}"/>
-                  </a:ext>
-                </a:extLst>
-              </p:cNvPr>
-              <p:cNvSpPr/>
-              <p:nvPr/>
-            </p:nvSpPr>
-            <p:spPr>
-              <a:xfrm>
-                <a:off x="6202491" y="3429000"/>
-                <a:ext cx="266775" cy="1820416"/>
-              </a:xfrm>
-              <a:prstGeom prst="rect">
-                <a:avLst/>
-              </a:prstGeom>
-              <a:solidFill>
-                <a:schemeClr val="bg1"/>
-              </a:solidFill>
-              <a:ln>
-                <a:noFill/>
-              </a:ln>
-            </p:spPr>
-            <p:style>
-              <a:lnRef idx="2">
-                <a:schemeClr val="accent1">
-                  <a:shade val="50000"/>
-                </a:schemeClr>
-              </a:lnRef>
-              <a:fillRef idx="1">
-                <a:schemeClr val="accent1"/>
-              </a:fillRef>
-              <a:effectRef idx="0">
-                <a:schemeClr val="accent1"/>
-              </a:effectRef>
-              <a:fontRef idx="minor">
-                <a:schemeClr val="lt1"/>
-              </a:fontRef>
-            </p:style>
-            <p:txBody>
-              <a:bodyPr rtlCol="0" anchor="ctr"/>
-              <a:lstStyle/>
-              <a:p>
-                <a:pPr algn="ctr"/>
-                <a:endParaRPr lang="en-US"/>
-              </a:p>
-            </p:txBody>
-          </p:sp>
-        </p:grpSp>
-        <p:grpSp>
-          <p:nvGrpSpPr>
-            <p:cNvPr id="124" name="Group 123">
-              <a:extLst>
-                <a:ext uri="{FF2B5EF4-FFF2-40B4-BE49-F238E27FC236}">
-                  <a16:creationId xmlns:a16="http://schemas.microsoft.com/office/drawing/2014/main" xmlns="" id="{453B5AC4-51CD-4F0E-8270-8693CE057506}"/>
-                </a:ext>
-              </a:extLst>
-            </p:cNvPr>
-            <p:cNvGrpSpPr/>
-            <p:nvPr/>
-          </p:nvGrpSpPr>
-          <p:grpSpPr>
-            <a:xfrm>
-              <a:off x="6955269" y="3278242"/>
-              <a:ext cx="274998" cy="260137"/>
-              <a:chOff x="7078425" y="3164512"/>
-              <a:chExt cx="274998" cy="260137"/>
-            </a:xfrm>
-          </p:grpSpPr>
-          <p:sp>
-            <p:nvSpPr>
-              <p:cNvPr id="125" name="Isosceles Triangle 124">
-                <a:extLst>
-                  <a:ext uri="{FF2B5EF4-FFF2-40B4-BE49-F238E27FC236}">
-                    <a16:creationId xmlns:a16="http://schemas.microsoft.com/office/drawing/2014/main" xmlns="" id="{4EE4B622-009C-4E1D-9D75-F3A10AD6EE4E}"/>
-                  </a:ext>
-                </a:extLst>
-              </p:cNvPr>
-              <p:cNvSpPr/>
-              <p:nvPr/>
-            </p:nvSpPr>
-            <p:spPr>
-              <a:xfrm rot="5114528">
-                <a:off x="7113984" y="3182248"/>
-                <a:ext cx="257175" cy="221703"/>
-              </a:xfrm>
-              <a:prstGeom prst="triangle">
-                <a:avLst/>
-              </a:prstGeom>
-              <a:ln>
-                <a:noFill/>
-              </a:ln>
-            </p:spPr>
-            <p:style>
-              <a:lnRef idx="2">
-                <a:schemeClr val="accent1">
-                  <a:shade val="50000"/>
-                </a:schemeClr>
-              </a:lnRef>
-              <a:fillRef idx="1">
-                <a:schemeClr val="accent1"/>
-              </a:fillRef>
-              <a:effectRef idx="0">
-                <a:schemeClr val="accent1"/>
-              </a:effectRef>
-              <a:fontRef idx="minor">
-                <a:schemeClr val="lt1"/>
-              </a:fontRef>
-            </p:style>
-            <p:txBody>
-              <a:bodyPr rtlCol="0" anchor="ctr"/>
-              <a:lstStyle/>
-              <a:p>
-                <a:pPr algn="ctr"/>
-                <a:endParaRPr lang="en-US" dirty="0"/>
-              </a:p>
-            </p:txBody>
-          </p:sp>
-          <p:sp>
-            <p:nvSpPr>
-              <p:cNvPr id="126" name="Isosceles Triangle 125">
-                <a:extLst>
-                  <a:ext uri="{FF2B5EF4-FFF2-40B4-BE49-F238E27FC236}">
-                    <a16:creationId xmlns:a16="http://schemas.microsoft.com/office/drawing/2014/main" xmlns="" id="{F3967A81-CD03-4A11-AC16-EE5BB10821C9}"/>
-                  </a:ext>
-                </a:extLst>
-              </p:cNvPr>
-              <p:cNvSpPr/>
-              <p:nvPr/>
-            </p:nvSpPr>
-            <p:spPr>
-              <a:xfrm rot="5114528">
-                <a:off x="7060689" y="3185210"/>
-                <a:ext cx="257175" cy="221703"/>
-              </a:xfrm>
-              <a:prstGeom prst="triangle">
-                <a:avLst/>
-              </a:prstGeom>
-              <a:solidFill>
-                <a:schemeClr val="bg1"/>
-              </a:solidFill>
-              <a:ln>
-                <a:noFill/>
-              </a:ln>
-            </p:spPr>
-            <p:style>
-              <a:lnRef idx="2">
-                <a:schemeClr val="accent1">
-                  <a:shade val="50000"/>
-                </a:schemeClr>
-              </a:lnRef>
-              <a:fillRef idx="1">
-                <a:schemeClr val="accent1"/>
-              </a:fillRef>
-              <a:effectRef idx="0">
-                <a:schemeClr val="accent1"/>
-              </a:effectRef>
-              <a:fontRef idx="minor">
-                <a:schemeClr val="lt1"/>
-              </a:fontRef>
-            </p:style>
-            <p:txBody>
-              <a:bodyPr rtlCol="0" anchor="ctr"/>
-              <a:lstStyle/>
-              <a:p>
-                <a:pPr algn="ctr"/>
-                <a:endParaRPr lang="en-US" dirty="0"/>
-              </a:p>
-            </p:txBody>
-          </p:sp>
-        </p:grpSp>
-      </p:grpSp>
+        <p:txBody>
+          <a:bodyPr wrap="square">
+            <a:spAutoFit/>
+          </a:bodyPr>
+          <a:lstStyle/>
+          <a:p>
+            <a:pPr algn="ctr"/>
+            <a:r>
+              <a:rPr lang="en-US" dirty="0" smtClean="0">
+                <a:latin typeface="Karla" pitchFamily="2" charset="0"/>
+              </a:rPr>
+              <a:t>Final Results</a:t>
+            </a:r>
+          </a:p>
+          <a:p>
+            <a:pPr algn="ctr"/>
+            <a:endParaRPr lang="en-US" dirty="0">
+              <a:latin typeface="Karla" pitchFamily="2" charset="0"/>
+            </a:endParaRPr>
+          </a:p>
+          <a:p>
+            <a:pPr algn="ctr"/>
+            <a:endParaRPr lang="en-US" dirty="0" smtClean="0">
+              <a:latin typeface="Karla" pitchFamily="2" charset="0"/>
+            </a:endParaRPr>
+          </a:p>
+          <a:p>
+            <a:pPr algn="ctr"/>
+            <a:endParaRPr lang="en-US" dirty="0">
+              <a:latin typeface="Karla" pitchFamily="2" charset="0"/>
+            </a:endParaRPr>
+          </a:p>
+          <a:p>
+            <a:pPr algn="ctr"/>
+            <a:endParaRPr lang="en-US" dirty="0" smtClean="0">
+              <a:latin typeface="Karla" pitchFamily="2" charset="0"/>
+            </a:endParaRPr>
+          </a:p>
+          <a:p>
+            <a:pPr algn="ctr"/>
+            <a:endParaRPr lang="en-US" dirty="0">
+              <a:latin typeface="Karla" pitchFamily="2" charset="0"/>
+            </a:endParaRPr>
+          </a:p>
+          <a:p>
+            <a:pPr algn="ctr"/>
+            <a:endParaRPr lang="en-US" dirty="0" smtClean="0">
+              <a:latin typeface="Karla" pitchFamily="2" charset="0"/>
+            </a:endParaRPr>
+          </a:p>
+          <a:p>
+            <a:pPr algn="ctr"/>
+            <a:r>
+              <a:rPr lang="en-US" dirty="0">
+                <a:latin typeface="Karla" pitchFamily="2" charset="0"/>
+              </a:rPr>
+              <a:t>Present </a:t>
+            </a:r>
+            <a:r>
+              <a:rPr lang="en-US" dirty="0" smtClean="0">
+                <a:latin typeface="Karla" pitchFamily="2" charset="0"/>
+              </a:rPr>
+              <a:t>results</a:t>
+            </a:r>
+            <a:endParaRPr lang="en-US" dirty="0">
+              <a:latin typeface="Karla" pitchFamily="2" charset="0"/>
+            </a:endParaRPr>
+          </a:p>
+          <a:p>
+            <a:pPr algn="ctr"/>
+            <a:endParaRPr lang="en-US" dirty="0">
+              <a:latin typeface="Karla" pitchFamily="2" charset="0"/>
+            </a:endParaRPr>
+          </a:p>
+          <a:p>
+            <a:pPr algn="ctr"/>
+            <a:endParaRPr lang="en-US" sz="1400" dirty="0">
+              <a:latin typeface="Karla" pitchFamily="2" charset="0"/>
+            </a:endParaRPr>
+          </a:p>
+        </p:txBody>
+      </p:sp>
     </p:spTree>
     <p:extLst>
       <p:ext uri="{BB962C8B-B14F-4D97-AF65-F5344CB8AC3E}">
@@ -37619,7 +35614,35 @@
                 <a:ea typeface="Karla" charset="0"/>
                 <a:cs typeface="Karla" charset="0"/>
               </a:rPr>
-              <a:t>He has picked some new hobbies besides 109 and </a:t>
+              <a:t>He has picked some new hobbies besides </a:t>
+            </a:r>
+            <a:r>
+              <a:rPr lang="en-US" sz="2600" dirty="0" smtClean="0">
+                <a:solidFill>
+                  <a:schemeClr val="tx1">
+                    <a:lumMod val="95000"/>
+                    <a:lumOff val="5000"/>
+                  </a:schemeClr>
+                </a:solidFill>
+                <a:latin typeface="Karla" charset="0"/>
+                <a:ea typeface="Karla" charset="0"/>
+                <a:cs typeface="Karla" charset="0"/>
+              </a:rPr>
+              <a:t>109s </a:t>
+            </a:r>
+            <a:r>
+              <a:rPr lang="en-US" sz="2600" dirty="0">
+                <a:solidFill>
+                  <a:schemeClr val="tx1">
+                    <a:lumMod val="95000"/>
+                    <a:lumOff val="5000"/>
+                  </a:schemeClr>
+                </a:solidFill>
+                <a:latin typeface="Karla" charset="0"/>
+                <a:ea typeface="Karla" charset="0"/>
+                <a:cs typeface="Karla" charset="0"/>
+              </a:rPr>
+              <a:t>and </a:t>
             </a:r>
             <a:r>
               <a:rPr lang="en-US" sz="2600" b="1" dirty="0">

--- a/content/lectures/lecture1/presentation/lecture1.pptx
+++ b/content/lectures/lecture1/presentation/lecture1.pptx
@@ -14932,7 +14932,19 @@
           <a:lstStyle/>
           <a:p>
             <a:pPr algn="ctr"/>
-            <a:endParaRPr lang="en-US" dirty="0"/>
+            <a:r>
+              <a:rPr lang="en-US" sz="2400" b="1" dirty="0" smtClean="0">
+                <a:latin typeface="Karla" charset="0"/>
+                <a:ea typeface="Karla" charset="0"/>
+                <a:cs typeface="Karla" charset="0"/>
+              </a:rPr>
+              <a:t>AC295</a:t>
+            </a:r>
+            <a:endParaRPr lang="en-US" b="1" dirty="0">
+              <a:latin typeface="Karla" charset="0"/>
+              <a:ea typeface="Karla" charset="0"/>
+              <a:cs typeface="Karla" charset="0"/>
+            </a:endParaRPr>
           </a:p>
         </p:txBody>
       </p:sp>
@@ -15009,8 +15021,8 @@
         </p:nvSpPr>
         <p:spPr>
           <a:xfrm>
-            <a:off x="2869768" y="2366682"/>
-            <a:ext cx="6452461" cy="1770530"/>
+            <a:off x="2869766" y="2843265"/>
+            <a:ext cx="6452461" cy="1688980"/>
           </a:xfrm>
         </p:spPr>
         <p:txBody>
@@ -15036,13 +15048,17 @@
               </a:rPr>
               <a:t> </a:t>
             </a:r>
-          </a:p>
-          <a:p>
+            <a:r>
+              <a:rPr lang="en-US" dirty="0" smtClean="0">
+                <a:latin typeface="Karla" charset="0"/>
+              </a:rPr>
+              <a:t>Advanced </a:t>
+            </a:r>
             <a:r>
               <a:rPr lang="en-US" dirty="0">
                 <a:latin typeface="Karla" charset="0"/>
               </a:rPr>
-              <a:t>Advanced Practical Data Science</a:t>
+              <a:t>Practical Data Science</a:t>
             </a:r>
           </a:p>
           <a:p>

--- a/content/lectures/lecture1/presentation/lecture1.pptx
+++ b/content/lectures/lecture1/presentation/lecture1.pptx
@@ -19375,7 +19375,7 @@
         </p:spPr>
         <p:txBody>
           <a:bodyPr>
-            <a:normAutofit/>
+            <a:normAutofit lnSpcReduction="10000"/>
           </a:bodyPr>
           <a:lstStyle/>
           <a:p>
@@ -19385,10 +19385,10 @@
               </a:spcAft>
             </a:pPr>
             <a:r>
-              <a:rPr lang="en-US" dirty="0" smtClean="0"/>
+              <a:rPr lang="en-US" sz="3800" b="1" dirty="0"/>
               <a:t>Workload</a:t>
             </a:r>
-            <a:endParaRPr lang="en-US" dirty="0"/>
+            <a:endParaRPr lang="en-US" sz="3800" b="1" dirty="0"/>
           </a:p>
         </p:txBody>
       </p:sp>

--- a/content/lectures/lecture1/presentation/lecture1.pptx
+++ b/content/lectures/lecture1/presentation/lecture1.pptx
@@ -19375,7 +19375,7 @@
         </p:spPr>
         <p:txBody>
           <a:bodyPr>
-            <a:normAutofit lnSpcReduction="10000"/>
+            <a:normAutofit/>
           </a:bodyPr>
           <a:lstStyle/>
           <a:p>
@@ -19385,10 +19385,10 @@
               </a:spcAft>
             </a:pPr>
             <a:r>
-              <a:rPr lang="en-US" sz="3800" b="1" dirty="0"/>
+              <a:rPr lang="en-US" dirty="0" smtClean="0"/>
               <a:t>Workload</a:t>
             </a:r>
-            <a:endParaRPr lang="en-US" sz="3800" b="1" dirty="0"/>
+            <a:endParaRPr lang="en-US" dirty="0"/>
           </a:p>
         </p:txBody>
       </p:sp>
